--- a/3d models/ppt/StoneCrouchSmashed.pptx
+++ b/3d models/ppt/StoneCrouchSmashed.pptx
@@ -5,10 +5,17 @@
     <p:sldMasterId id="2147483660" r:id="rId1"/>
   </p:sldMasterIdLst>
   <p:notesMasterIdLst>
-    <p:notesMasterId r:id="rId3"/>
+    <p:notesMasterId r:id="rId10"/>
   </p:notesMasterIdLst>
   <p:sldIdLst>
     <p:sldId id="256" r:id="rId2"/>
+    <p:sldId id="257" r:id="rId3"/>
+    <p:sldId id="258" r:id="rId4"/>
+    <p:sldId id="259" r:id="rId5"/>
+    <p:sldId id="261" r:id="rId6"/>
+    <p:sldId id="262" r:id="rId7"/>
+    <p:sldId id="263" r:id="rId8"/>
+    <p:sldId id="264" r:id="rId9"/>
   </p:sldIdLst>
   <p:sldSz cx="1800225" cy="1800225"/>
   <p:notesSz cx="6858000" cy="9144000"/>
@@ -3340,216 +3347,6 @@
       </p:grpSpPr>
       <p:pic>
         <p:nvPicPr>
-          <p:cNvPr id="6" name="Picture 5" hidden="1">
-            <a:extLst>
-              <a:ext uri="{FF2B5EF4-FFF2-40B4-BE49-F238E27FC236}">
-                <a16:creationId xmlns:a16="http://schemas.microsoft.com/office/drawing/2014/main" id="{03AF22CE-5E78-190F-A2D9-7115190DC230}"/>
-              </a:ext>
-            </a:extLst>
-          </p:cNvPr>
-          <p:cNvPicPr>
-            <a:picLocks noChangeAspect="1"/>
-          </p:cNvPicPr>
-          <p:nvPr/>
-        </p:nvPicPr>
-        <p:blipFill>
-          <a:blip r:embed="rId2"/>
-          <a:stretch>
-            <a:fillRect/>
-          </a:stretch>
-        </p:blipFill>
-        <p:spPr>
-          <a:xfrm>
-            <a:off x="0" y="0"/>
-            <a:ext cx="1698804" cy="1800225"/>
-          </a:xfrm>
-          <a:prstGeom prst="rect">
-            <a:avLst/>
-          </a:prstGeom>
-        </p:spPr>
-      </p:pic>
-      <p:pic>
-        <p:nvPicPr>
-          <p:cNvPr id="9" name="Picture 8" hidden="1">
-            <a:extLst>
-              <a:ext uri="{FF2B5EF4-FFF2-40B4-BE49-F238E27FC236}">
-                <a16:creationId xmlns:a16="http://schemas.microsoft.com/office/drawing/2014/main" id="{BD0BB95A-91F5-8BB4-534B-81FC77E6B0ED}"/>
-              </a:ext>
-            </a:extLst>
-          </p:cNvPr>
-          <p:cNvPicPr>
-            <a:picLocks noChangeAspect="1"/>
-          </p:cNvPicPr>
-          <p:nvPr/>
-        </p:nvPicPr>
-        <p:blipFill>
-          <a:blip r:embed="rId3"/>
-          <a:stretch>
-            <a:fillRect/>
-          </a:stretch>
-        </p:blipFill>
-        <p:spPr>
-          <a:xfrm>
-            <a:off x="5409" y="32725"/>
-            <a:ext cx="1698804" cy="1800225"/>
-          </a:xfrm>
-          <a:prstGeom prst="rect">
-            <a:avLst/>
-          </a:prstGeom>
-        </p:spPr>
-      </p:pic>
-      <p:pic>
-        <p:nvPicPr>
-          <p:cNvPr id="11" name="Picture 10" hidden="1">
-            <a:extLst>
-              <a:ext uri="{FF2B5EF4-FFF2-40B4-BE49-F238E27FC236}">
-                <a16:creationId xmlns:a16="http://schemas.microsoft.com/office/drawing/2014/main" id="{41F38458-50E6-66DC-8CA8-FB566C49C2ED}"/>
-              </a:ext>
-            </a:extLst>
-          </p:cNvPr>
-          <p:cNvPicPr>
-            <a:picLocks noChangeAspect="1"/>
-          </p:cNvPicPr>
-          <p:nvPr/>
-        </p:nvPicPr>
-        <p:blipFill>
-          <a:blip r:embed="rId4"/>
-          <a:stretch>
-            <a:fillRect/>
-          </a:stretch>
-        </p:blipFill>
-        <p:spPr>
-          <a:xfrm>
-            <a:off x="0" y="65450"/>
-            <a:ext cx="1698804" cy="1800225"/>
-          </a:xfrm>
-          <a:prstGeom prst="rect">
-            <a:avLst/>
-          </a:prstGeom>
-        </p:spPr>
-      </p:pic>
-      <p:pic>
-        <p:nvPicPr>
-          <p:cNvPr id="13" name="Picture 12" hidden="1">
-            <a:extLst>
-              <a:ext uri="{FF2B5EF4-FFF2-40B4-BE49-F238E27FC236}">
-                <a16:creationId xmlns:a16="http://schemas.microsoft.com/office/drawing/2014/main" id="{A7F2B013-DE9F-0BFB-ED4F-FAB8C101D155}"/>
-              </a:ext>
-            </a:extLst>
-          </p:cNvPr>
-          <p:cNvPicPr>
-            <a:picLocks noChangeAspect="1"/>
-          </p:cNvPicPr>
-          <p:nvPr/>
-        </p:nvPicPr>
-        <p:blipFill>
-          <a:blip r:embed="rId5"/>
-          <a:stretch>
-            <a:fillRect/>
-          </a:stretch>
-        </p:blipFill>
-        <p:spPr>
-          <a:xfrm>
-            <a:off x="0" y="121862"/>
-            <a:ext cx="1698804" cy="1800225"/>
-          </a:xfrm>
-          <a:prstGeom prst="rect">
-            <a:avLst/>
-          </a:prstGeom>
-        </p:spPr>
-      </p:pic>
-      <p:pic>
-        <p:nvPicPr>
-          <p:cNvPr id="15" name="Picture 14" hidden="1">
-            <a:extLst>
-              <a:ext uri="{FF2B5EF4-FFF2-40B4-BE49-F238E27FC236}">
-                <a16:creationId xmlns:a16="http://schemas.microsoft.com/office/drawing/2014/main" id="{08C9EF61-93CE-58C4-EEC5-CF2AE3069F9C}"/>
-              </a:ext>
-            </a:extLst>
-          </p:cNvPr>
-          <p:cNvPicPr>
-            <a:picLocks noChangeAspect="1"/>
-          </p:cNvPicPr>
-          <p:nvPr/>
-        </p:nvPicPr>
-        <p:blipFill>
-          <a:blip r:embed="rId6"/>
-          <a:stretch>
-            <a:fillRect/>
-          </a:stretch>
-        </p:blipFill>
-        <p:spPr>
-          <a:xfrm>
-            <a:off x="5382" y="300866"/>
-            <a:ext cx="371527" cy="152421"/>
-          </a:xfrm>
-          <a:prstGeom prst="rect">
-            <a:avLst/>
-          </a:prstGeom>
-        </p:spPr>
-      </p:pic>
-      <p:pic>
-        <p:nvPicPr>
-          <p:cNvPr id="17" name="Picture 16" hidden="1">
-            <a:extLst>
-              <a:ext uri="{FF2B5EF4-FFF2-40B4-BE49-F238E27FC236}">
-                <a16:creationId xmlns:a16="http://schemas.microsoft.com/office/drawing/2014/main" id="{B20D86C5-BA6D-E154-E685-84F7CBC5AAD2}"/>
-              </a:ext>
-            </a:extLst>
-          </p:cNvPr>
-          <p:cNvPicPr>
-            <a:picLocks noChangeAspect="1"/>
-          </p:cNvPicPr>
-          <p:nvPr/>
-        </p:nvPicPr>
-        <p:blipFill>
-          <a:blip r:embed="rId7"/>
-          <a:stretch>
-            <a:fillRect/>
-          </a:stretch>
-        </p:blipFill>
-        <p:spPr>
-          <a:xfrm>
-            <a:off x="-5409" y="121861"/>
-            <a:ext cx="1698804" cy="1800225"/>
-          </a:xfrm>
-          <a:prstGeom prst="rect">
-            <a:avLst/>
-          </a:prstGeom>
-        </p:spPr>
-      </p:pic>
-      <p:pic>
-        <p:nvPicPr>
-          <p:cNvPr id="19" name="Picture 18" hidden="1">
-            <a:extLst>
-              <a:ext uri="{FF2B5EF4-FFF2-40B4-BE49-F238E27FC236}">
-                <a16:creationId xmlns:a16="http://schemas.microsoft.com/office/drawing/2014/main" id="{DC4B3E7E-E96A-49BD-1292-8ED31CC83579}"/>
-              </a:ext>
-            </a:extLst>
-          </p:cNvPr>
-          <p:cNvPicPr>
-            <a:picLocks noChangeAspect="1"/>
-          </p:cNvPicPr>
-          <p:nvPr/>
-        </p:nvPicPr>
-        <p:blipFill>
-          <a:blip r:embed="rId8"/>
-          <a:stretch>
-            <a:fillRect/>
-          </a:stretch>
-        </p:blipFill>
-        <p:spPr>
-          <a:xfrm>
-            <a:off x="-10818" y="121860"/>
-            <a:ext cx="1698804" cy="1800225"/>
-          </a:xfrm>
-          <a:prstGeom prst="rect">
-            <a:avLst/>
-          </a:prstGeom>
-        </p:spPr>
-      </p:pic>
-      <p:pic>
-        <p:nvPicPr>
           <p:cNvPr id="5" name="Picture 4">
             <a:extLst>
               <a:ext uri="{FF2B5EF4-FFF2-40B4-BE49-F238E27FC236}">
@@ -3563,7 +3360,7 @@
           <p:nvPr/>
         </p:nvPicPr>
         <p:blipFill>
-          <a:blip r:embed="rId9">
+          <a:blip r:embed="rId2">
             <a:duotone>
               <a:prstClr val="black"/>
               <a:schemeClr val="tx2">
@@ -3574,7 +3371,7 @@
             <a:extLst>
               <a:ext uri="{BEBA8EAE-BF5A-486C-A8C5-ECC9F3942E4B}">
                 <a14:imgProps xmlns:a14="http://schemas.microsoft.com/office/drawing/2010/main">
-                  <a14:imgLayer r:embed="rId10">
+                  <a14:imgLayer r:embed="rId3">
                     <a14:imgEffect>
                       <a14:artisticTexturizer/>
                     </a14:imgEffect>
@@ -3592,7 +3389,7 @@
         </p:blipFill>
         <p:spPr>
           <a:xfrm>
-            <a:off x="75286" y="20700"/>
+            <a:off x="66819" y="2117"/>
             <a:ext cx="276225" cy="257175"/>
           </a:xfrm>
           <a:prstGeom prst="rect">
@@ -3607,10 +3404,2594 @@
           </a:effectLst>
         </p:spPr>
       </p:pic>
+      <p:pic>
+        <p:nvPicPr>
+          <p:cNvPr id="10" name="Picture 9" hidden="1">
+            <a:extLst>
+              <a:ext uri="{FF2B5EF4-FFF2-40B4-BE49-F238E27FC236}">
+                <a16:creationId xmlns:a16="http://schemas.microsoft.com/office/drawing/2014/main" id="{7B97AA8F-A147-7680-6EEA-7E02FCD1D76A}"/>
+              </a:ext>
+            </a:extLst>
+          </p:cNvPr>
+          <p:cNvPicPr>
+            <a:picLocks noChangeAspect="1"/>
+          </p:cNvPicPr>
+          <p:nvPr/>
+        </p:nvPicPr>
+        <p:blipFill>
+          <a:blip r:embed="rId4"/>
+          <a:stretch>
+            <a:fillRect/>
+          </a:stretch>
+        </p:blipFill>
+        <p:spPr>
+          <a:xfrm>
+            <a:off x="0" y="-43945"/>
+            <a:ext cx="400106" cy="342948"/>
+          </a:xfrm>
+          <a:prstGeom prst="rect">
+            <a:avLst/>
+          </a:prstGeom>
+        </p:spPr>
+      </p:pic>
+      <p:pic>
+        <p:nvPicPr>
+          <p:cNvPr id="16" name="Picture 15" hidden="1">
+            <a:extLst>
+              <a:ext uri="{FF2B5EF4-FFF2-40B4-BE49-F238E27FC236}">
+                <a16:creationId xmlns:a16="http://schemas.microsoft.com/office/drawing/2014/main" id="{01AB1E8D-4F73-3BDD-699F-E5AEF6CB5EAD}"/>
+              </a:ext>
+            </a:extLst>
+          </p:cNvPr>
+          <p:cNvPicPr>
+            <a:picLocks noChangeAspect="1"/>
+          </p:cNvPicPr>
+          <p:nvPr/>
+        </p:nvPicPr>
+        <p:blipFill>
+          <a:blip r:embed="rId5"/>
+          <a:stretch>
+            <a:fillRect/>
+          </a:stretch>
+        </p:blipFill>
+        <p:spPr>
+          <a:xfrm>
+            <a:off x="0" y="-43945"/>
+            <a:ext cx="400106" cy="342948"/>
+          </a:xfrm>
+          <a:prstGeom prst="rect">
+            <a:avLst/>
+          </a:prstGeom>
+        </p:spPr>
+      </p:pic>
+      <p:pic>
+        <p:nvPicPr>
+          <p:cNvPr id="20" name="Picture 19" hidden="1">
+            <a:extLst>
+              <a:ext uri="{FF2B5EF4-FFF2-40B4-BE49-F238E27FC236}">
+                <a16:creationId xmlns:a16="http://schemas.microsoft.com/office/drawing/2014/main" id="{B3E9B87D-290A-BED7-62E8-A9BF04658AF9}"/>
+              </a:ext>
+            </a:extLst>
+          </p:cNvPr>
+          <p:cNvPicPr>
+            <a:picLocks noChangeAspect="1"/>
+          </p:cNvPicPr>
+          <p:nvPr/>
+        </p:nvPicPr>
+        <p:blipFill>
+          <a:blip r:embed="rId6"/>
+          <a:stretch>
+            <a:fillRect/>
+          </a:stretch>
+        </p:blipFill>
+        <p:spPr>
+          <a:xfrm>
+            <a:off x="0" y="-43945"/>
+            <a:ext cx="400106" cy="342948"/>
+          </a:xfrm>
+          <a:prstGeom prst="rect">
+            <a:avLst/>
+          </a:prstGeom>
+        </p:spPr>
+      </p:pic>
+      <p:pic>
+        <p:nvPicPr>
+          <p:cNvPr id="22" name="Picture 21" hidden="1">
+            <a:extLst>
+              <a:ext uri="{FF2B5EF4-FFF2-40B4-BE49-F238E27FC236}">
+                <a16:creationId xmlns:a16="http://schemas.microsoft.com/office/drawing/2014/main" id="{B1BC8B3A-4776-94B5-FB7C-12E3CF86560F}"/>
+              </a:ext>
+            </a:extLst>
+          </p:cNvPr>
+          <p:cNvPicPr>
+            <a:picLocks noChangeAspect="1"/>
+          </p:cNvPicPr>
+          <p:nvPr/>
+        </p:nvPicPr>
+        <p:blipFill>
+          <a:blip r:embed="rId7"/>
+          <a:srcRect b="13122"/>
+          <a:stretch/>
+        </p:blipFill>
+        <p:spPr>
+          <a:xfrm>
+            <a:off x="0" y="17439"/>
+            <a:ext cx="400106" cy="297945"/>
+          </a:xfrm>
+          <a:prstGeom prst="rect">
+            <a:avLst/>
+          </a:prstGeom>
+        </p:spPr>
+      </p:pic>
+      <p:pic>
+        <p:nvPicPr>
+          <p:cNvPr id="24" name="Picture 23" hidden="1">
+            <a:extLst>
+              <a:ext uri="{FF2B5EF4-FFF2-40B4-BE49-F238E27FC236}">
+                <a16:creationId xmlns:a16="http://schemas.microsoft.com/office/drawing/2014/main" id="{B5884CA9-B85C-CCEA-B330-4E4F266504B6}"/>
+              </a:ext>
+            </a:extLst>
+          </p:cNvPr>
+          <p:cNvPicPr>
+            <a:picLocks noChangeAspect="1"/>
+          </p:cNvPicPr>
+          <p:nvPr/>
+        </p:nvPicPr>
+        <p:blipFill>
+          <a:blip r:embed="rId8"/>
+          <a:stretch>
+            <a:fillRect/>
+          </a:stretch>
+        </p:blipFill>
+        <p:spPr>
+          <a:xfrm>
+            <a:off x="0" y="33820"/>
+            <a:ext cx="400106" cy="342948"/>
+          </a:xfrm>
+          <a:prstGeom prst="rect">
+            <a:avLst/>
+          </a:prstGeom>
+        </p:spPr>
+      </p:pic>
+      <p:pic>
+        <p:nvPicPr>
+          <p:cNvPr id="26" name="Picture 25" hidden="1">
+            <a:extLst>
+              <a:ext uri="{FF2B5EF4-FFF2-40B4-BE49-F238E27FC236}">
+                <a16:creationId xmlns:a16="http://schemas.microsoft.com/office/drawing/2014/main" id="{B934B65D-9BE8-11CD-0FAA-E5A054CA6536}"/>
+              </a:ext>
+            </a:extLst>
+          </p:cNvPr>
+          <p:cNvPicPr>
+            <a:picLocks noChangeAspect="1"/>
+          </p:cNvPicPr>
+          <p:nvPr/>
+        </p:nvPicPr>
+        <p:blipFill>
+          <a:blip r:embed="rId9"/>
+          <a:stretch>
+            <a:fillRect/>
+          </a:stretch>
+        </p:blipFill>
+        <p:spPr>
+          <a:xfrm>
+            <a:off x="0" y="33820"/>
+            <a:ext cx="400106" cy="342948"/>
+          </a:xfrm>
+          <a:prstGeom prst="rect">
+            <a:avLst/>
+          </a:prstGeom>
+        </p:spPr>
+      </p:pic>
+      <p:pic>
+        <p:nvPicPr>
+          <p:cNvPr id="28" name="Picture 27" hidden="1">
+            <a:extLst>
+              <a:ext uri="{FF2B5EF4-FFF2-40B4-BE49-F238E27FC236}">
+                <a16:creationId xmlns:a16="http://schemas.microsoft.com/office/drawing/2014/main" id="{406239D0-EBE9-E5D4-5866-C023C470D3DB}"/>
+              </a:ext>
+            </a:extLst>
+          </p:cNvPr>
+          <p:cNvPicPr>
+            <a:picLocks noChangeAspect="1"/>
+          </p:cNvPicPr>
+          <p:nvPr/>
+        </p:nvPicPr>
+        <p:blipFill>
+          <a:blip r:embed="rId10"/>
+          <a:stretch>
+            <a:fillRect/>
+          </a:stretch>
+        </p:blipFill>
+        <p:spPr>
+          <a:xfrm>
+            <a:off x="0" y="-5063"/>
+            <a:ext cx="400106" cy="342948"/>
+          </a:xfrm>
+          <a:prstGeom prst="rect">
+            <a:avLst/>
+          </a:prstGeom>
+        </p:spPr>
+      </p:pic>
+      <p:pic>
+        <p:nvPicPr>
+          <p:cNvPr id="30" name="Picture 29" hidden="1">
+            <a:extLst>
+              <a:ext uri="{FF2B5EF4-FFF2-40B4-BE49-F238E27FC236}">
+                <a16:creationId xmlns:a16="http://schemas.microsoft.com/office/drawing/2014/main" id="{4B54844B-0FE2-A508-B748-24A8B4416215}"/>
+              </a:ext>
+            </a:extLst>
+          </p:cNvPr>
+          <p:cNvPicPr>
+            <a:picLocks noChangeAspect="1"/>
+          </p:cNvPicPr>
+          <p:nvPr/>
+        </p:nvPicPr>
+        <p:blipFill>
+          <a:blip r:embed="rId11"/>
+          <a:stretch>
+            <a:fillRect/>
+          </a:stretch>
+        </p:blipFill>
+        <p:spPr>
+          <a:xfrm>
+            <a:off x="0" y="0"/>
+            <a:ext cx="400106" cy="342948"/>
+          </a:xfrm>
+          <a:prstGeom prst="rect">
+            <a:avLst/>
+          </a:prstGeom>
+        </p:spPr>
+      </p:pic>
     </p:spTree>
     <p:extLst>
       <p:ext uri="{BB962C8B-B14F-4D97-AF65-F5344CB8AC3E}">
         <p14:creationId xmlns:p14="http://schemas.microsoft.com/office/powerpoint/2010/main" val="3933469956"/>
+      </p:ext>
+    </p:extLst>
+  </p:cSld>
+  <p:clrMapOvr>
+    <a:masterClrMapping/>
+  </p:clrMapOvr>
+  <p:transition advClick="0" advTm="0"/>
+</p:sld>
+</file>
+
+<file path=ppt/slides/slide2.xml><?xml version="1.0" encoding="utf-8"?>
+<p:sld xmlns:a="http://schemas.openxmlformats.org/drawingml/2006/main" xmlns:r="http://schemas.openxmlformats.org/officeDocument/2006/relationships" xmlns:p="http://schemas.openxmlformats.org/presentationml/2006/main">
+  <p:cSld>
+    <p:spTree>
+      <p:nvGrpSpPr>
+        <p:cNvPr id="1" name="">
+          <a:extLst>
+            <a:ext uri="{FF2B5EF4-FFF2-40B4-BE49-F238E27FC236}">
+              <a16:creationId xmlns:a16="http://schemas.microsoft.com/office/drawing/2014/main" id="{921BF93D-C353-00DB-43D3-C27FF709806F}"/>
+            </a:ext>
+          </a:extLst>
+        </p:cNvPr>
+        <p:cNvGrpSpPr/>
+        <p:nvPr/>
+      </p:nvGrpSpPr>
+      <p:grpSpPr>
+        <a:xfrm>
+          <a:off x="0" y="0"/>
+          <a:ext cx="0" cy="0"/>
+          <a:chOff x="0" y="0"/>
+          <a:chExt cx="0" cy="0"/>
+        </a:xfrm>
+      </p:grpSpPr>
+      <p:pic>
+        <p:nvPicPr>
+          <p:cNvPr id="5" name="Picture 4" hidden="1">
+            <a:extLst>
+              <a:ext uri="{FF2B5EF4-FFF2-40B4-BE49-F238E27FC236}">
+                <a16:creationId xmlns:a16="http://schemas.microsoft.com/office/drawing/2014/main" id="{00BF6A9D-B638-FEC7-80EF-7DDBE3821DFF}"/>
+              </a:ext>
+            </a:extLst>
+          </p:cNvPr>
+          <p:cNvPicPr>
+            <a:picLocks noChangeAspect="1"/>
+          </p:cNvPicPr>
+          <p:nvPr/>
+        </p:nvPicPr>
+        <p:blipFill>
+          <a:blip r:embed="rId2">
+            <a:duotone>
+              <a:prstClr val="black"/>
+              <a:schemeClr val="tx2">
+                <a:tint val="45000"/>
+                <a:satMod val="400000"/>
+              </a:schemeClr>
+            </a:duotone>
+            <a:extLst>
+              <a:ext uri="{BEBA8EAE-BF5A-486C-A8C5-ECC9F3942E4B}">
+                <a14:imgProps xmlns:a14="http://schemas.microsoft.com/office/drawing/2010/main">
+                  <a14:imgLayer r:embed="rId3">
+                    <a14:imgEffect>
+                      <a14:artisticTexturizer/>
+                    </a14:imgEffect>
+                  </a14:imgLayer>
+                </a14:imgProps>
+              </a:ext>
+              <a:ext uri="{28A0092B-C50C-407E-A947-70E740481C1C}">
+                <a14:useLocalDpi xmlns:a14="http://schemas.microsoft.com/office/drawing/2010/main" val="0"/>
+              </a:ext>
+            </a:extLst>
+          </a:blip>
+          <a:stretch>
+            <a:fillRect/>
+          </a:stretch>
+        </p:blipFill>
+        <p:spPr>
+          <a:xfrm>
+            <a:off x="75286" y="20700"/>
+            <a:ext cx="276225" cy="257175"/>
+          </a:xfrm>
+          <a:prstGeom prst="rect">
+            <a:avLst/>
+          </a:prstGeom>
+          <a:effectLst>
+            <a:outerShdw blurRad="63500" dist="88900" dir="9480000" sx="79000" sy="79000" algn="ctr" rotWithShape="0">
+              <a:srgbClr val="000000">
+                <a:alpha val="60000"/>
+              </a:srgbClr>
+            </a:outerShdw>
+          </a:effectLst>
+        </p:spPr>
+      </p:pic>
+      <p:pic>
+        <p:nvPicPr>
+          <p:cNvPr id="10" name="Picture 9">
+            <a:extLst>
+              <a:ext uri="{FF2B5EF4-FFF2-40B4-BE49-F238E27FC236}">
+                <a16:creationId xmlns:a16="http://schemas.microsoft.com/office/drawing/2014/main" id="{E4596C88-4BDA-C53D-D0BC-B69D050DE4F8}"/>
+              </a:ext>
+            </a:extLst>
+          </p:cNvPr>
+          <p:cNvPicPr>
+            <a:picLocks noChangeAspect="1"/>
+          </p:cNvPicPr>
+          <p:nvPr/>
+        </p:nvPicPr>
+        <p:blipFill>
+          <a:blip r:embed="rId4"/>
+          <a:stretch>
+            <a:fillRect/>
+          </a:stretch>
+        </p:blipFill>
+        <p:spPr>
+          <a:xfrm>
+            <a:off x="-6351" y="-50299"/>
+            <a:ext cx="400106" cy="342948"/>
+          </a:xfrm>
+          <a:prstGeom prst="rect">
+            <a:avLst/>
+          </a:prstGeom>
+        </p:spPr>
+      </p:pic>
+      <p:pic>
+        <p:nvPicPr>
+          <p:cNvPr id="16" name="Picture 15" hidden="1">
+            <a:extLst>
+              <a:ext uri="{FF2B5EF4-FFF2-40B4-BE49-F238E27FC236}">
+                <a16:creationId xmlns:a16="http://schemas.microsoft.com/office/drawing/2014/main" id="{6DBA8E62-48A0-AAAA-1D83-4BD0704B4055}"/>
+              </a:ext>
+            </a:extLst>
+          </p:cNvPr>
+          <p:cNvPicPr>
+            <a:picLocks noChangeAspect="1"/>
+          </p:cNvPicPr>
+          <p:nvPr/>
+        </p:nvPicPr>
+        <p:blipFill>
+          <a:blip r:embed="rId5"/>
+          <a:stretch>
+            <a:fillRect/>
+          </a:stretch>
+        </p:blipFill>
+        <p:spPr>
+          <a:xfrm>
+            <a:off x="0" y="-43945"/>
+            <a:ext cx="400106" cy="342948"/>
+          </a:xfrm>
+          <a:prstGeom prst="rect">
+            <a:avLst/>
+          </a:prstGeom>
+        </p:spPr>
+      </p:pic>
+      <p:pic>
+        <p:nvPicPr>
+          <p:cNvPr id="20" name="Picture 19" hidden="1">
+            <a:extLst>
+              <a:ext uri="{FF2B5EF4-FFF2-40B4-BE49-F238E27FC236}">
+                <a16:creationId xmlns:a16="http://schemas.microsoft.com/office/drawing/2014/main" id="{4866D547-2EAA-3021-1BCD-94AE282EFF82}"/>
+              </a:ext>
+            </a:extLst>
+          </p:cNvPr>
+          <p:cNvPicPr>
+            <a:picLocks noChangeAspect="1"/>
+          </p:cNvPicPr>
+          <p:nvPr/>
+        </p:nvPicPr>
+        <p:blipFill>
+          <a:blip r:embed="rId6"/>
+          <a:stretch>
+            <a:fillRect/>
+          </a:stretch>
+        </p:blipFill>
+        <p:spPr>
+          <a:xfrm>
+            <a:off x="0" y="-43945"/>
+            <a:ext cx="400106" cy="342948"/>
+          </a:xfrm>
+          <a:prstGeom prst="rect">
+            <a:avLst/>
+          </a:prstGeom>
+        </p:spPr>
+      </p:pic>
+      <p:pic>
+        <p:nvPicPr>
+          <p:cNvPr id="22" name="Picture 21" hidden="1">
+            <a:extLst>
+              <a:ext uri="{FF2B5EF4-FFF2-40B4-BE49-F238E27FC236}">
+                <a16:creationId xmlns:a16="http://schemas.microsoft.com/office/drawing/2014/main" id="{EE742897-31A2-F3C3-3327-9FF25D5CC997}"/>
+              </a:ext>
+            </a:extLst>
+          </p:cNvPr>
+          <p:cNvPicPr>
+            <a:picLocks noChangeAspect="1"/>
+          </p:cNvPicPr>
+          <p:nvPr/>
+        </p:nvPicPr>
+        <p:blipFill>
+          <a:blip r:embed="rId7"/>
+          <a:srcRect b="13122"/>
+          <a:stretch/>
+        </p:blipFill>
+        <p:spPr>
+          <a:xfrm>
+            <a:off x="0" y="17439"/>
+            <a:ext cx="400106" cy="297945"/>
+          </a:xfrm>
+          <a:prstGeom prst="rect">
+            <a:avLst/>
+          </a:prstGeom>
+        </p:spPr>
+      </p:pic>
+      <p:pic>
+        <p:nvPicPr>
+          <p:cNvPr id="24" name="Picture 23" hidden="1">
+            <a:extLst>
+              <a:ext uri="{FF2B5EF4-FFF2-40B4-BE49-F238E27FC236}">
+                <a16:creationId xmlns:a16="http://schemas.microsoft.com/office/drawing/2014/main" id="{804C583D-655D-285C-138A-701C88445B62}"/>
+              </a:ext>
+            </a:extLst>
+          </p:cNvPr>
+          <p:cNvPicPr>
+            <a:picLocks noChangeAspect="1"/>
+          </p:cNvPicPr>
+          <p:nvPr/>
+        </p:nvPicPr>
+        <p:blipFill>
+          <a:blip r:embed="rId8"/>
+          <a:stretch>
+            <a:fillRect/>
+          </a:stretch>
+        </p:blipFill>
+        <p:spPr>
+          <a:xfrm>
+            <a:off x="0" y="33820"/>
+            <a:ext cx="400106" cy="342948"/>
+          </a:xfrm>
+          <a:prstGeom prst="rect">
+            <a:avLst/>
+          </a:prstGeom>
+        </p:spPr>
+      </p:pic>
+      <p:pic>
+        <p:nvPicPr>
+          <p:cNvPr id="26" name="Picture 25" hidden="1">
+            <a:extLst>
+              <a:ext uri="{FF2B5EF4-FFF2-40B4-BE49-F238E27FC236}">
+                <a16:creationId xmlns:a16="http://schemas.microsoft.com/office/drawing/2014/main" id="{B3499C2C-FA11-EE5C-D23D-4963EA9FE7E2}"/>
+              </a:ext>
+            </a:extLst>
+          </p:cNvPr>
+          <p:cNvPicPr>
+            <a:picLocks noChangeAspect="1"/>
+          </p:cNvPicPr>
+          <p:nvPr/>
+        </p:nvPicPr>
+        <p:blipFill>
+          <a:blip r:embed="rId9"/>
+          <a:stretch>
+            <a:fillRect/>
+          </a:stretch>
+        </p:blipFill>
+        <p:spPr>
+          <a:xfrm>
+            <a:off x="0" y="33820"/>
+            <a:ext cx="400106" cy="342948"/>
+          </a:xfrm>
+          <a:prstGeom prst="rect">
+            <a:avLst/>
+          </a:prstGeom>
+        </p:spPr>
+      </p:pic>
+      <p:pic>
+        <p:nvPicPr>
+          <p:cNvPr id="28" name="Picture 27" hidden="1">
+            <a:extLst>
+              <a:ext uri="{FF2B5EF4-FFF2-40B4-BE49-F238E27FC236}">
+                <a16:creationId xmlns:a16="http://schemas.microsoft.com/office/drawing/2014/main" id="{3F34911F-F126-2CDC-5B1C-7A838C380D8E}"/>
+              </a:ext>
+            </a:extLst>
+          </p:cNvPr>
+          <p:cNvPicPr>
+            <a:picLocks noChangeAspect="1"/>
+          </p:cNvPicPr>
+          <p:nvPr/>
+        </p:nvPicPr>
+        <p:blipFill>
+          <a:blip r:embed="rId10"/>
+          <a:stretch>
+            <a:fillRect/>
+          </a:stretch>
+        </p:blipFill>
+        <p:spPr>
+          <a:xfrm>
+            <a:off x="0" y="-5063"/>
+            <a:ext cx="400106" cy="342948"/>
+          </a:xfrm>
+          <a:prstGeom prst="rect">
+            <a:avLst/>
+          </a:prstGeom>
+        </p:spPr>
+      </p:pic>
+      <p:pic>
+        <p:nvPicPr>
+          <p:cNvPr id="30" name="Picture 29" hidden="1">
+            <a:extLst>
+              <a:ext uri="{FF2B5EF4-FFF2-40B4-BE49-F238E27FC236}">
+                <a16:creationId xmlns:a16="http://schemas.microsoft.com/office/drawing/2014/main" id="{6AB942F7-37B0-1A09-1B2D-D93A6C00935A}"/>
+              </a:ext>
+            </a:extLst>
+          </p:cNvPr>
+          <p:cNvPicPr>
+            <a:picLocks noChangeAspect="1"/>
+          </p:cNvPicPr>
+          <p:nvPr/>
+        </p:nvPicPr>
+        <p:blipFill>
+          <a:blip r:embed="rId11"/>
+          <a:stretch>
+            <a:fillRect/>
+          </a:stretch>
+        </p:blipFill>
+        <p:spPr>
+          <a:xfrm>
+            <a:off x="0" y="0"/>
+            <a:ext cx="400106" cy="342948"/>
+          </a:xfrm>
+          <a:prstGeom prst="rect">
+            <a:avLst/>
+          </a:prstGeom>
+        </p:spPr>
+      </p:pic>
+    </p:spTree>
+    <p:extLst>
+      <p:ext uri="{BB962C8B-B14F-4D97-AF65-F5344CB8AC3E}">
+        <p14:creationId xmlns:p14="http://schemas.microsoft.com/office/powerpoint/2010/main" val="3787689227"/>
+      </p:ext>
+    </p:extLst>
+  </p:cSld>
+  <p:clrMapOvr>
+    <a:masterClrMapping/>
+  </p:clrMapOvr>
+  <p:transition advClick="0" advTm="0"/>
+</p:sld>
+</file>
+
+<file path=ppt/slides/slide3.xml><?xml version="1.0" encoding="utf-8"?>
+<p:sld xmlns:a="http://schemas.openxmlformats.org/drawingml/2006/main" xmlns:r="http://schemas.openxmlformats.org/officeDocument/2006/relationships" xmlns:p="http://schemas.openxmlformats.org/presentationml/2006/main">
+  <p:cSld>
+    <p:spTree>
+      <p:nvGrpSpPr>
+        <p:cNvPr id="1" name="">
+          <a:extLst>
+            <a:ext uri="{FF2B5EF4-FFF2-40B4-BE49-F238E27FC236}">
+              <a16:creationId xmlns:a16="http://schemas.microsoft.com/office/drawing/2014/main" id="{6F8B31B5-595C-0A80-27A1-C4B61BEAEFDE}"/>
+            </a:ext>
+          </a:extLst>
+        </p:cNvPr>
+        <p:cNvGrpSpPr/>
+        <p:nvPr/>
+      </p:nvGrpSpPr>
+      <p:grpSpPr>
+        <a:xfrm>
+          <a:off x="0" y="0"/>
+          <a:ext cx="0" cy="0"/>
+          <a:chOff x="0" y="0"/>
+          <a:chExt cx="0" cy="0"/>
+        </a:xfrm>
+      </p:grpSpPr>
+      <p:pic>
+        <p:nvPicPr>
+          <p:cNvPr id="5" name="Picture 4" hidden="1">
+            <a:extLst>
+              <a:ext uri="{FF2B5EF4-FFF2-40B4-BE49-F238E27FC236}">
+                <a16:creationId xmlns:a16="http://schemas.microsoft.com/office/drawing/2014/main" id="{A7630A18-9658-BB04-6949-0E5AF98911C9}"/>
+              </a:ext>
+            </a:extLst>
+          </p:cNvPr>
+          <p:cNvPicPr>
+            <a:picLocks noChangeAspect="1"/>
+          </p:cNvPicPr>
+          <p:nvPr/>
+        </p:nvPicPr>
+        <p:blipFill>
+          <a:blip r:embed="rId2">
+            <a:duotone>
+              <a:prstClr val="black"/>
+              <a:schemeClr val="tx2">
+                <a:tint val="45000"/>
+                <a:satMod val="400000"/>
+              </a:schemeClr>
+            </a:duotone>
+            <a:extLst>
+              <a:ext uri="{BEBA8EAE-BF5A-486C-A8C5-ECC9F3942E4B}">
+                <a14:imgProps xmlns:a14="http://schemas.microsoft.com/office/drawing/2010/main">
+                  <a14:imgLayer r:embed="rId3">
+                    <a14:imgEffect>
+                      <a14:artisticTexturizer/>
+                    </a14:imgEffect>
+                  </a14:imgLayer>
+                </a14:imgProps>
+              </a:ext>
+              <a:ext uri="{28A0092B-C50C-407E-A947-70E740481C1C}">
+                <a14:useLocalDpi xmlns:a14="http://schemas.microsoft.com/office/drawing/2010/main" val="0"/>
+              </a:ext>
+            </a:extLst>
+          </a:blip>
+          <a:stretch>
+            <a:fillRect/>
+          </a:stretch>
+        </p:blipFill>
+        <p:spPr>
+          <a:xfrm>
+            <a:off x="75286" y="20700"/>
+            <a:ext cx="276225" cy="257175"/>
+          </a:xfrm>
+          <a:prstGeom prst="rect">
+            <a:avLst/>
+          </a:prstGeom>
+          <a:effectLst>
+            <a:outerShdw blurRad="63500" dist="88900" dir="9480000" sx="79000" sy="79000" algn="ctr" rotWithShape="0">
+              <a:srgbClr val="000000">
+                <a:alpha val="60000"/>
+              </a:srgbClr>
+            </a:outerShdw>
+          </a:effectLst>
+        </p:spPr>
+      </p:pic>
+      <p:pic>
+        <p:nvPicPr>
+          <p:cNvPr id="10" name="Picture 9" hidden="1">
+            <a:extLst>
+              <a:ext uri="{FF2B5EF4-FFF2-40B4-BE49-F238E27FC236}">
+                <a16:creationId xmlns:a16="http://schemas.microsoft.com/office/drawing/2014/main" id="{7C97A65E-0F51-828F-EDB2-956FC677114A}"/>
+              </a:ext>
+            </a:extLst>
+          </p:cNvPr>
+          <p:cNvPicPr>
+            <a:picLocks noChangeAspect="1"/>
+          </p:cNvPicPr>
+          <p:nvPr/>
+        </p:nvPicPr>
+        <p:blipFill>
+          <a:blip r:embed="rId4"/>
+          <a:stretch>
+            <a:fillRect/>
+          </a:stretch>
+        </p:blipFill>
+        <p:spPr>
+          <a:xfrm>
+            <a:off x="0" y="-43945"/>
+            <a:ext cx="400106" cy="342948"/>
+          </a:xfrm>
+          <a:prstGeom prst="rect">
+            <a:avLst/>
+          </a:prstGeom>
+        </p:spPr>
+      </p:pic>
+      <p:pic>
+        <p:nvPicPr>
+          <p:cNvPr id="16" name="Picture 15">
+            <a:extLst>
+              <a:ext uri="{FF2B5EF4-FFF2-40B4-BE49-F238E27FC236}">
+                <a16:creationId xmlns:a16="http://schemas.microsoft.com/office/drawing/2014/main" id="{74774340-1B7F-27C6-028A-7BB8FC3D8347}"/>
+              </a:ext>
+            </a:extLst>
+          </p:cNvPr>
+          <p:cNvPicPr>
+            <a:picLocks noChangeAspect="1"/>
+          </p:cNvPicPr>
+          <p:nvPr/>
+        </p:nvPicPr>
+        <p:blipFill>
+          <a:blip r:embed="rId5"/>
+          <a:stretch>
+            <a:fillRect/>
+          </a:stretch>
+        </p:blipFill>
+        <p:spPr>
+          <a:xfrm>
+            <a:off x="0" y="-43945"/>
+            <a:ext cx="400106" cy="342948"/>
+          </a:xfrm>
+          <a:prstGeom prst="rect">
+            <a:avLst/>
+          </a:prstGeom>
+        </p:spPr>
+      </p:pic>
+      <p:pic>
+        <p:nvPicPr>
+          <p:cNvPr id="20" name="Picture 19" hidden="1">
+            <a:extLst>
+              <a:ext uri="{FF2B5EF4-FFF2-40B4-BE49-F238E27FC236}">
+                <a16:creationId xmlns:a16="http://schemas.microsoft.com/office/drawing/2014/main" id="{9F4D6A03-36A4-3C36-93D0-4EF1EA5439D1}"/>
+              </a:ext>
+            </a:extLst>
+          </p:cNvPr>
+          <p:cNvPicPr>
+            <a:picLocks noChangeAspect="1"/>
+          </p:cNvPicPr>
+          <p:nvPr/>
+        </p:nvPicPr>
+        <p:blipFill>
+          <a:blip r:embed="rId6"/>
+          <a:stretch>
+            <a:fillRect/>
+          </a:stretch>
+        </p:blipFill>
+        <p:spPr>
+          <a:xfrm>
+            <a:off x="0" y="-43945"/>
+            <a:ext cx="400106" cy="342948"/>
+          </a:xfrm>
+          <a:prstGeom prst="rect">
+            <a:avLst/>
+          </a:prstGeom>
+        </p:spPr>
+      </p:pic>
+      <p:pic>
+        <p:nvPicPr>
+          <p:cNvPr id="22" name="Picture 21" hidden="1">
+            <a:extLst>
+              <a:ext uri="{FF2B5EF4-FFF2-40B4-BE49-F238E27FC236}">
+                <a16:creationId xmlns:a16="http://schemas.microsoft.com/office/drawing/2014/main" id="{B68DB4F9-DFC5-2B62-C8C4-6A4777937D04}"/>
+              </a:ext>
+            </a:extLst>
+          </p:cNvPr>
+          <p:cNvPicPr>
+            <a:picLocks noChangeAspect="1"/>
+          </p:cNvPicPr>
+          <p:nvPr/>
+        </p:nvPicPr>
+        <p:blipFill>
+          <a:blip r:embed="rId7"/>
+          <a:srcRect b="13122"/>
+          <a:stretch/>
+        </p:blipFill>
+        <p:spPr>
+          <a:xfrm>
+            <a:off x="0" y="17439"/>
+            <a:ext cx="400106" cy="297945"/>
+          </a:xfrm>
+          <a:prstGeom prst="rect">
+            <a:avLst/>
+          </a:prstGeom>
+        </p:spPr>
+      </p:pic>
+      <p:pic>
+        <p:nvPicPr>
+          <p:cNvPr id="24" name="Picture 23" hidden="1">
+            <a:extLst>
+              <a:ext uri="{FF2B5EF4-FFF2-40B4-BE49-F238E27FC236}">
+                <a16:creationId xmlns:a16="http://schemas.microsoft.com/office/drawing/2014/main" id="{FFE9D606-D23B-94B3-EAF3-70BFD13DD7F1}"/>
+              </a:ext>
+            </a:extLst>
+          </p:cNvPr>
+          <p:cNvPicPr>
+            <a:picLocks noChangeAspect="1"/>
+          </p:cNvPicPr>
+          <p:nvPr/>
+        </p:nvPicPr>
+        <p:blipFill>
+          <a:blip r:embed="rId8"/>
+          <a:stretch>
+            <a:fillRect/>
+          </a:stretch>
+        </p:blipFill>
+        <p:spPr>
+          <a:xfrm>
+            <a:off x="0" y="33820"/>
+            <a:ext cx="400106" cy="342948"/>
+          </a:xfrm>
+          <a:prstGeom prst="rect">
+            <a:avLst/>
+          </a:prstGeom>
+        </p:spPr>
+      </p:pic>
+      <p:pic>
+        <p:nvPicPr>
+          <p:cNvPr id="26" name="Picture 25" hidden="1">
+            <a:extLst>
+              <a:ext uri="{FF2B5EF4-FFF2-40B4-BE49-F238E27FC236}">
+                <a16:creationId xmlns:a16="http://schemas.microsoft.com/office/drawing/2014/main" id="{22D928E8-B040-CDCA-61A7-E08F177D30A6}"/>
+              </a:ext>
+            </a:extLst>
+          </p:cNvPr>
+          <p:cNvPicPr>
+            <a:picLocks noChangeAspect="1"/>
+          </p:cNvPicPr>
+          <p:nvPr/>
+        </p:nvPicPr>
+        <p:blipFill>
+          <a:blip r:embed="rId9"/>
+          <a:stretch>
+            <a:fillRect/>
+          </a:stretch>
+        </p:blipFill>
+        <p:spPr>
+          <a:xfrm>
+            <a:off x="0" y="33820"/>
+            <a:ext cx="400106" cy="342948"/>
+          </a:xfrm>
+          <a:prstGeom prst="rect">
+            <a:avLst/>
+          </a:prstGeom>
+        </p:spPr>
+      </p:pic>
+      <p:pic>
+        <p:nvPicPr>
+          <p:cNvPr id="28" name="Picture 27" hidden="1">
+            <a:extLst>
+              <a:ext uri="{FF2B5EF4-FFF2-40B4-BE49-F238E27FC236}">
+                <a16:creationId xmlns:a16="http://schemas.microsoft.com/office/drawing/2014/main" id="{DC66CD24-0620-EB58-6869-B2CEF210A4BD}"/>
+              </a:ext>
+            </a:extLst>
+          </p:cNvPr>
+          <p:cNvPicPr>
+            <a:picLocks noChangeAspect="1"/>
+          </p:cNvPicPr>
+          <p:nvPr/>
+        </p:nvPicPr>
+        <p:blipFill>
+          <a:blip r:embed="rId10"/>
+          <a:stretch>
+            <a:fillRect/>
+          </a:stretch>
+        </p:blipFill>
+        <p:spPr>
+          <a:xfrm>
+            <a:off x="0" y="-5063"/>
+            <a:ext cx="400106" cy="342948"/>
+          </a:xfrm>
+          <a:prstGeom prst="rect">
+            <a:avLst/>
+          </a:prstGeom>
+        </p:spPr>
+      </p:pic>
+      <p:pic>
+        <p:nvPicPr>
+          <p:cNvPr id="30" name="Picture 29" hidden="1">
+            <a:extLst>
+              <a:ext uri="{FF2B5EF4-FFF2-40B4-BE49-F238E27FC236}">
+                <a16:creationId xmlns:a16="http://schemas.microsoft.com/office/drawing/2014/main" id="{B4784799-B29E-D98C-24DA-A79407296BC1}"/>
+              </a:ext>
+            </a:extLst>
+          </p:cNvPr>
+          <p:cNvPicPr>
+            <a:picLocks noChangeAspect="1"/>
+          </p:cNvPicPr>
+          <p:nvPr/>
+        </p:nvPicPr>
+        <p:blipFill>
+          <a:blip r:embed="rId11"/>
+          <a:stretch>
+            <a:fillRect/>
+          </a:stretch>
+        </p:blipFill>
+        <p:spPr>
+          <a:xfrm>
+            <a:off x="0" y="0"/>
+            <a:ext cx="400106" cy="342948"/>
+          </a:xfrm>
+          <a:prstGeom prst="rect">
+            <a:avLst/>
+          </a:prstGeom>
+        </p:spPr>
+      </p:pic>
+    </p:spTree>
+    <p:extLst>
+      <p:ext uri="{BB962C8B-B14F-4D97-AF65-F5344CB8AC3E}">
+        <p14:creationId xmlns:p14="http://schemas.microsoft.com/office/powerpoint/2010/main" val="57677345"/>
+      </p:ext>
+    </p:extLst>
+  </p:cSld>
+  <p:clrMapOvr>
+    <a:masterClrMapping/>
+  </p:clrMapOvr>
+  <p:transition advClick="0" advTm="0"/>
+</p:sld>
+</file>
+
+<file path=ppt/slides/slide4.xml><?xml version="1.0" encoding="utf-8"?>
+<p:sld xmlns:a="http://schemas.openxmlformats.org/drawingml/2006/main" xmlns:r="http://schemas.openxmlformats.org/officeDocument/2006/relationships" xmlns:p="http://schemas.openxmlformats.org/presentationml/2006/main">
+  <p:cSld>
+    <p:spTree>
+      <p:nvGrpSpPr>
+        <p:cNvPr id="1" name="">
+          <a:extLst>
+            <a:ext uri="{FF2B5EF4-FFF2-40B4-BE49-F238E27FC236}">
+              <a16:creationId xmlns:a16="http://schemas.microsoft.com/office/drawing/2014/main" id="{C8405E4B-0C2D-0F7F-4724-1836EF4EC86D}"/>
+            </a:ext>
+          </a:extLst>
+        </p:cNvPr>
+        <p:cNvGrpSpPr/>
+        <p:nvPr/>
+      </p:nvGrpSpPr>
+      <p:grpSpPr>
+        <a:xfrm>
+          <a:off x="0" y="0"/>
+          <a:ext cx="0" cy="0"/>
+          <a:chOff x="0" y="0"/>
+          <a:chExt cx="0" cy="0"/>
+        </a:xfrm>
+      </p:grpSpPr>
+      <p:pic>
+        <p:nvPicPr>
+          <p:cNvPr id="5" name="Picture 4" hidden="1">
+            <a:extLst>
+              <a:ext uri="{FF2B5EF4-FFF2-40B4-BE49-F238E27FC236}">
+                <a16:creationId xmlns:a16="http://schemas.microsoft.com/office/drawing/2014/main" id="{E5FA7971-807A-E663-8826-43E63315B21C}"/>
+              </a:ext>
+            </a:extLst>
+          </p:cNvPr>
+          <p:cNvPicPr>
+            <a:picLocks noChangeAspect="1"/>
+          </p:cNvPicPr>
+          <p:nvPr/>
+        </p:nvPicPr>
+        <p:blipFill>
+          <a:blip r:embed="rId2">
+            <a:duotone>
+              <a:prstClr val="black"/>
+              <a:schemeClr val="tx2">
+                <a:tint val="45000"/>
+                <a:satMod val="400000"/>
+              </a:schemeClr>
+            </a:duotone>
+            <a:extLst>
+              <a:ext uri="{BEBA8EAE-BF5A-486C-A8C5-ECC9F3942E4B}">
+                <a14:imgProps xmlns:a14="http://schemas.microsoft.com/office/drawing/2010/main">
+                  <a14:imgLayer r:embed="rId3">
+                    <a14:imgEffect>
+                      <a14:artisticTexturizer/>
+                    </a14:imgEffect>
+                  </a14:imgLayer>
+                </a14:imgProps>
+              </a:ext>
+              <a:ext uri="{28A0092B-C50C-407E-A947-70E740481C1C}">
+                <a14:useLocalDpi xmlns:a14="http://schemas.microsoft.com/office/drawing/2010/main" val="0"/>
+              </a:ext>
+            </a:extLst>
+          </a:blip>
+          <a:stretch>
+            <a:fillRect/>
+          </a:stretch>
+        </p:blipFill>
+        <p:spPr>
+          <a:xfrm>
+            <a:off x="75286" y="20700"/>
+            <a:ext cx="276225" cy="257175"/>
+          </a:xfrm>
+          <a:prstGeom prst="rect">
+            <a:avLst/>
+          </a:prstGeom>
+          <a:effectLst>
+            <a:outerShdw blurRad="63500" dist="88900" dir="9480000" sx="79000" sy="79000" algn="ctr" rotWithShape="0">
+              <a:srgbClr val="000000">
+                <a:alpha val="60000"/>
+              </a:srgbClr>
+            </a:outerShdw>
+          </a:effectLst>
+        </p:spPr>
+      </p:pic>
+      <p:pic>
+        <p:nvPicPr>
+          <p:cNvPr id="10" name="Picture 9" hidden="1">
+            <a:extLst>
+              <a:ext uri="{FF2B5EF4-FFF2-40B4-BE49-F238E27FC236}">
+                <a16:creationId xmlns:a16="http://schemas.microsoft.com/office/drawing/2014/main" id="{D1D02A44-D73C-3DFB-26A3-224B08BCA2A3}"/>
+              </a:ext>
+            </a:extLst>
+          </p:cNvPr>
+          <p:cNvPicPr>
+            <a:picLocks noChangeAspect="1"/>
+          </p:cNvPicPr>
+          <p:nvPr/>
+        </p:nvPicPr>
+        <p:blipFill>
+          <a:blip r:embed="rId4"/>
+          <a:stretch>
+            <a:fillRect/>
+          </a:stretch>
+        </p:blipFill>
+        <p:spPr>
+          <a:xfrm>
+            <a:off x="0" y="-43945"/>
+            <a:ext cx="400106" cy="342948"/>
+          </a:xfrm>
+          <a:prstGeom prst="rect">
+            <a:avLst/>
+          </a:prstGeom>
+        </p:spPr>
+      </p:pic>
+      <p:pic>
+        <p:nvPicPr>
+          <p:cNvPr id="16" name="Picture 15" hidden="1">
+            <a:extLst>
+              <a:ext uri="{FF2B5EF4-FFF2-40B4-BE49-F238E27FC236}">
+                <a16:creationId xmlns:a16="http://schemas.microsoft.com/office/drawing/2014/main" id="{23862022-ADCF-5C10-D0B1-55BDDEA12272}"/>
+              </a:ext>
+            </a:extLst>
+          </p:cNvPr>
+          <p:cNvPicPr>
+            <a:picLocks noChangeAspect="1"/>
+          </p:cNvPicPr>
+          <p:nvPr/>
+        </p:nvPicPr>
+        <p:blipFill>
+          <a:blip r:embed="rId5"/>
+          <a:stretch>
+            <a:fillRect/>
+          </a:stretch>
+        </p:blipFill>
+        <p:spPr>
+          <a:xfrm>
+            <a:off x="0" y="-43945"/>
+            <a:ext cx="400106" cy="342948"/>
+          </a:xfrm>
+          <a:prstGeom prst="rect">
+            <a:avLst/>
+          </a:prstGeom>
+        </p:spPr>
+      </p:pic>
+      <p:pic>
+        <p:nvPicPr>
+          <p:cNvPr id="20" name="Picture 19">
+            <a:extLst>
+              <a:ext uri="{FF2B5EF4-FFF2-40B4-BE49-F238E27FC236}">
+                <a16:creationId xmlns:a16="http://schemas.microsoft.com/office/drawing/2014/main" id="{4FF01A97-C401-6AF9-3A75-5BB0EBA26A10}"/>
+              </a:ext>
+            </a:extLst>
+          </p:cNvPr>
+          <p:cNvPicPr>
+            <a:picLocks noChangeAspect="1"/>
+          </p:cNvPicPr>
+          <p:nvPr/>
+        </p:nvPicPr>
+        <p:blipFill>
+          <a:blip r:embed="rId6"/>
+          <a:stretch>
+            <a:fillRect/>
+          </a:stretch>
+        </p:blipFill>
+        <p:spPr>
+          <a:xfrm>
+            <a:off x="0" y="-43945"/>
+            <a:ext cx="400106" cy="342948"/>
+          </a:xfrm>
+          <a:prstGeom prst="rect">
+            <a:avLst/>
+          </a:prstGeom>
+        </p:spPr>
+      </p:pic>
+      <p:pic>
+        <p:nvPicPr>
+          <p:cNvPr id="22" name="Picture 21" hidden="1">
+            <a:extLst>
+              <a:ext uri="{FF2B5EF4-FFF2-40B4-BE49-F238E27FC236}">
+                <a16:creationId xmlns:a16="http://schemas.microsoft.com/office/drawing/2014/main" id="{1CE28ECF-B6E9-1BCD-D5E3-1DB4E1EF9DA0}"/>
+              </a:ext>
+            </a:extLst>
+          </p:cNvPr>
+          <p:cNvPicPr>
+            <a:picLocks noChangeAspect="1"/>
+          </p:cNvPicPr>
+          <p:nvPr/>
+        </p:nvPicPr>
+        <p:blipFill>
+          <a:blip r:embed="rId7"/>
+          <a:srcRect b="13122"/>
+          <a:stretch/>
+        </p:blipFill>
+        <p:spPr>
+          <a:xfrm>
+            <a:off x="0" y="17439"/>
+            <a:ext cx="400106" cy="297945"/>
+          </a:xfrm>
+          <a:prstGeom prst="rect">
+            <a:avLst/>
+          </a:prstGeom>
+        </p:spPr>
+      </p:pic>
+      <p:pic>
+        <p:nvPicPr>
+          <p:cNvPr id="24" name="Picture 23" hidden="1">
+            <a:extLst>
+              <a:ext uri="{FF2B5EF4-FFF2-40B4-BE49-F238E27FC236}">
+                <a16:creationId xmlns:a16="http://schemas.microsoft.com/office/drawing/2014/main" id="{E508138C-A957-EC48-2C08-3C3FF3283CC2}"/>
+              </a:ext>
+            </a:extLst>
+          </p:cNvPr>
+          <p:cNvPicPr>
+            <a:picLocks noChangeAspect="1"/>
+          </p:cNvPicPr>
+          <p:nvPr/>
+        </p:nvPicPr>
+        <p:blipFill>
+          <a:blip r:embed="rId8"/>
+          <a:stretch>
+            <a:fillRect/>
+          </a:stretch>
+        </p:blipFill>
+        <p:spPr>
+          <a:xfrm>
+            <a:off x="0" y="33820"/>
+            <a:ext cx="400106" cy="342948"/>
+          </a:xfrm>
+          <a:prstGeom prst="rect">
+            <a:avLst/>
+          </a:prstGeom>
+        </p:spPr>
+      </p:pic>
+      <p:pic>
+        <p:nvPicPr>
+          <p:cNvPr id="26" name="Picture 25" hidden="1">
+            <a:extLst>
+              <a:ext uri="{FF2B5EF4-FFF2-40B4-BE49-F238E27FC236}">
+                <a16:creationId xmlns:a16="http://schemas.microsoft.com/office/drawing/2014/main" id="{46FD48AB-43C3-DA8E-313A-23AC5DDD82F1}"/>
+              </a:ext>
+            </a:extLst>
+          </p:cNvPr>
+          <p:cNvPicPr>
+            <a:picLocks noChangeAspect="1"/>
+          </p:cNvPicPr>
+          <p:nvPr/>
+        </p:nvPicPr>
+        <p:blipFill>
+          <a:blip r:embed="rId9"/>
+          <a:stretch>
+            <a:fillRect/>
+          </a:stretch>
+        </p:blipFill>
+        <p:spPr>
+          <a:xfrm>
+            <a:off x="0" y="33820"/>
+            <a:ext cx="400106" cy="342948"/>
+          </a:xfrm>
+          <a:prstGeom prst="rect">
+            <a:avLst/>
+          </a:prstGeom>
+        </p:spPr>
+      </p:pic>
+      <p:pic>
+        <p:nvPicPr>
+          <p:cNvPr id="28" name="Picture 27" hidden="1">
+            <a:extLst>
+              <a:ext uri="{FF2B5EF4-FFF2-40B4-BE49-F238E27FC236}">
+                <a16:creationId xmlns:a16="http://schemas.microsoft.com/office/drawing/2014/main" id="{305D0B36-98C7-6AD7-622F-146CD7943F20}"/>
+              </a:ext>
+            </a:extLst>
+          </p:cNvPr>
+          <p:cNvPicPr>
+            <a:picLocks noChangeAspect="1"/>
+          </p:cNvPicPr>
+          <p:nvPr/>
+        </p:nvPicPr>
+        <p:blipFill>
+          <a:blip r:embed="rId10"/>
+          <a:stretch>
+            <a:fillRect/>
+          </a:stretch>
+        </p:blipFill>
+        <p:spPr>
+          <a:xfrm>
+            <a:off x="0" y="-5063"/>
+            <a:ext cx="400106" cy="342948"/>
+          </a:xfrm>
+          <a:prstGeom prst="rect">
+            <a:avLst/>
+          </a:prstGeom>
+        </p:spPr>
+      </p:pic>
+      <p:pic>
+        <p:nvPicPr>
+          <p:cNvPr id="30" name="Picture 29" hidden="1">
+            <a:extLst>
+              <a:ext uri="{FF2B5EF4-FFF2-40B4-BE49-F238E27FC236}">
+                <a16:creationId xmlns:a16="http://schemas.microsoft.com/office/drawing/2014/main" id="{5B0533DC-8DEC-1865-8398-963659F2905F}"/>
+              </a:ext>
+            </a:extLst>
+          </p:cNvPr>
+          <p:cNvPicPr>
+            <a:picLocks noChangeAspect="1"/>
+          </p:cNvPicPr>
+          <p:nvPr/>
+        </p:nvPicPr>
+        <p:blipFill>
+          <a:blip r:embed="rId11"/>
+          <a:stretch>
+            <a:fillRect/>
+          </a:stretch>
+        </p:blipFill>
+        <p:spPr>
+          <a:xfrm>
+            <a:off x="0" y="0"/>
+            <a:ext cx="400106" cy="342948"/>
+          </a:xfrm>
+          <a:prstGeom prst="rect">
+            <a:avLst/>
+          </a:prstGeom>
+        </p:spPr>
+      </p:pic>
+    </p:spTree>
+    <p:extLst>
+      <p:ext uri="{BB962C8B-B14F-4D97-AF65-F5344CB8AC3E}">
+        <p14:creationId xmlns:p14="http://schemas.microsoft.com/office/powerpoint/2010/main" val="2155639508"/>
+      </p:ext>
+    </p:extLst>
+  </p:cSld>
+  <p:clrMapOvr>
+    <a:masterClrMapping/>
+  </p:clrMapOvr>
+  <p:transition advClick="0" advTm="0"/>
+</p:sld>
+</file>
+
+<file path=ppt/slides/slide5.xml><?xml version="1.0" encoding="utf-8"?>
+<p:sld xmlns:a="http://schemas.openxmlformats.org/drawingml/2006/main" xmlns:r="http://schemas.openxmlformats.org/officeDocument/2006/relationships" xmlns:p="http://schemas.openxmlformats.org/presentationml/2006/main">
+  <p:cSld>
+    <p:spTree>
+      <p:nvGrpSpPr>
+        <p:cNvPr id="1" name="">
+          <a:extLst>
+            <a:ext uri="{FF2B5EF4-FFF2-40B4-BE49-F238E27FC236}">
+              <a16:creationId xmlns:a16="http://schemas.microsoft.com/office/drawing/2014/main" id="{EA3A903A-41CE-04B1-08AD-1A1A230C1F40}"/>
+            </a:ext>
+          </a:extLst>
+        </p:cNvPr>
+        <p:cNvGrpSpPr/>
+        <p:nvPr/>
+      </p:nvGrpSpPr>
+      <p:grpSpPr>
+        <a:xfrm>
+          <a:off x="0" y="0"/>
+          <a:ext cx="0" cy="0"/>
+          <a:chOff x="0" y="0"/>
+          <a:chExt cx="0" cy="0"/>
+        </a:xfrm>
+      </p:grpSpPr>
+      <p:pic>
+        <p:nvPicPr>
+          <p:cNvPr id="5" name="Picture 4" hidden="1">
+            <a:extLst>
+              <a:ext uri="{FF2B5EF4-FFF2-40B4-BE49-F238E27FC236}">
+                <a16:creationId xmlns:a16="http://schemas.microsoft.com/office/drawing/2014/main" id="{C4BF9F07-0D3A-CC03-FEFD-F2C9913D4B73}"/>
+              </a:ext>
+            </a:extLst>
+          </p:cNvPr>
+          <p:cNvPicPr>
+            <a:picLocks noChangeAspect="1"/>
+          </p:cNvPicPr>
+          <p:nvPr/>
+        </p:nvPicPr>
+        <p:blipFill>
+          <a:blip r:embed="rId2">
+            <a:duotone>
+              <a:prstClr val="black"/>
+              <a:schemeClr val="tx2">
+                <a:tint val="45000"/>
+                <a:satMod val="400000"/>
+              </a:schemeClr>
+            </a:duotone>
+            <a:extLst>
+              <a:ext uri="{BEBA8EAE-BF5A-486C-A8C5-ECC9F3942E4B}">
+                <a14:imgProps xmlns:a14="http://schemas.microsoft.com/office/drawing/2010/main">
+                  <a14:imgLayer r:embed="rId3">
+                    <a14:imgEffect>
+                      <a14:artisticTexturizer/>
+                    </a14:imgEffect>
+                  </a14:imgLayer>
+                </a14:imgProps>
+              </a:ext>
+              <a:ext uri="{28A0092B-C50C-407E-A947-70E740481C1C}">
+                <a14:useLocalDpi xmlns:a14="http://schemas.microsoft.com/office/drawing/2010/main" val="0"/>
+              </a:ext>
+            </a:extLst>
+          </a:blip>
+          <a:stretch>
+            <a:fillRect/>
+          </a:stretch>
+        </p:blipFill>
+        <p:spPr>
+          <a:xfrm>
+            <a:off x="75286" y="20700"/>
+            <a:ext cx="276225" cy="257175"/>
+          </a:xfrm>
+          <a:prstGeom prst="rect">
+            <a:avLst/>
+          </a:prstGeom>
+          <a:effectLst>
+            <a:outerShdw blurRad="63500" dist="88900" dir="9480000" sx="79000" sy="79000" algn="ctr" rotWithShape="0">
+              <a:srgbClr val="000000">
+                <a:alpha val="60000"/>
+              </a:srgbClr>
+            </a:outerShdw>
+          </a:effectLst>
+        </p:spPr>
+      </p:pic>
+      <p:pic>
+        <p:nvPicPr>
+          <p:cNvPr id="10" name="Picture 9" hidden="1">
+            <a:extLst>
+              <a:ext uri="{FF2B5EF4-FFF2-40B4-BE49-F238E27FC236}">
+                <a16:creationId xmlns:a16="http://schemas.microsoft.com/office/drawing/2014/main" id="{3129DE11-4291-4E1C-F175-FB5CC0257621}"/>
+              </a:ext>
+            </a:extLst>
+          </p:cNvPr>
+          <p:cNvPicPr>
+            <a:picLocks noChangeAspect="1"/>
+          </p:cNvPicPr>
+          <p:nvPr/>
+        </p:nvPicPr>
+        <p:blipFill>
+          <a:blip r:embed="rId4"/>
+          <a:stretch>
+            <a:fillRect/>
+          </a:stretch>
+        </p:blipFill>
+        <p:spPr>
+          <a:xfrm>
+            <a:off x="0" y="-43945"/>
+            <a:ext cx="400106" cy="342948"/>
+          </a:xfrm>
+          <a:prstGeom prst="rect">
+            <a:avLst/>
+          </a:prstGeom>
+        </p:spPr>
+      </p:pic>
+      <p:pic>
+        <p:nvPicPr>
+          <p:cNvPr id="16" name="Picture 15" hidden="1">
+            <a:extLst>
+              <a:ext uri="{FF2B5EF4-FFF2-40B4-BE49-F238E27FC236}">
+                <a16:creationId xmlns:a16="http://schemas.microsoft.com/office/drawing/2014/main" id="{87016154-FBAB-9CF3-79DE-4075ACBFA463}"/>
+              </a:ext>
+            </a:extLst>
+          </p:cNvPr>
+          <p:cNvPicPr>
+            <a:picLocks noChangeAspect="1"/>
+          </p:cNvPicPr>
+          <p:nvPr/>
+        </p:nvPicPr>
+        <p:blipFill>
+          <a:blip r:embed="rId5"/>
+          <a:stretch>
+            <a:fillRect/>
+          </a:stretch>
+        </p:blipFill>
+        <p:spPr>
+          <a:xfrm>
+            <a:off x="0" y="-43945"/>
+            <a:ext cx="400106" cy="342948"/>
+          </a:xfrm>
+          <a:prstGeom prst="rect">
+            <a:avLst/>
+          </a:prstGeom>
+        </p:spPr>
+      </p:pic>
+      <p:pic>
+        <p:nvPicPr>
+          <p:cNvPr id="20" name="Picture 19" hidden="1">
+            <a:extLst>
+              <a:ext uri="{FF2B5EF4-FFF2-40B4-BE49-F238E27FC236}">
+                <a16:creationId xmlns:a16="http://schemas.microsoft.com/office/drawing/2014/main" id="{E228C220-E0F4-ACF8-5EC8-E738E1C64013}"/>
+              </a:ext>
+            </a:extLst>
+          </p:cNvPr>
+          <p:cNvPicPr>
+            <a:picLocks noChangeAspect="1"/>
+          </p:cNvPicPr>
+          <p:nvPr/>
+        </p:nvPicPr>
+        <p:blipFill>
+          <a:blip r:embed="rId6"/>
+          <a:stretch>
+            <a:fillRect/>
+          </a:stretch>
+        </p:blipFill>
+        <p:spPr>
+          <a:xfrm>
+            <a:off x="0" y="-43945"/>
+            <a:ext cx="400106" cy="342948"/>
+          </a:xfrm>
+          <a:prstGeom prst="rect">
+            <a:avLst/>
+          </a:prstGeom>
+        </p:spPr>
+      </p:pic>
+      <p:pic>
+        <p:nvPicPr>
+          <p:cNvPr id="22" name="Picture 21">
+            <a:extLst>
+              <a:ext uri="{FF2B5EF4-FFF2-40B4-BE49-F238E27FC236}">
+                <a16:creationId xmlns:a16="http://schemas.microsoft.com/office/drawing/2014/main" id="{CC07A61F-3059-043D-15CD-6D143BB03B76}"/>
+              </a:ext>
+            </a:extLst>
+          </p:cNvPr>
+          <p:cNvPicPr>
+            <a:picLocks noChangeAspect="1"/>
+          </p:cNvPicPr>
+          <p:nvPr/>
+        </p:nvPicPr>
+        <p:blipFill>
+          <a:blip r:embed="rId7"/>
+          <a:srcRect b="13122"/>
+          <a:stretch/>
+        </p:blipFill>
+        <p:spPr>
+          <a:xfrm>
+            <a:off x="0" y="17439"/>
+            <a:ext cx="400106" cy="297945"/>
+          </a:xfrm>
+          <a:prstGeom prst="rect">
+            <a:avLst/>
+          </a:prstGeom>
+        </p:spPr>
+      </p:pic>
+      <p:pic>
+        <p:nvPicPr>
+          <p:cNvPr id="24" name="Picture 23" hidden="1">
+            <a:extLst>
+              <a:ext uri="{FF2B5EF4-FFF2-40B4-BE49-F238E27FC236}">
+                <a16:creationId xmlns:a16="http://schemas.microsoft.com/office/drawing/2014/main" id="{4E258392-4E9E-A8BA-74C1-ED72F3621FD5}"/>
+              </a:ext>
+            </a:extLst>
+          </p:cNvPr>
+          <p:cNvPicPr>
+            <a:picLocks noChangeAspect="1"/>
+          </p:cNvPicPr>
+          <p:nvPr/>
+        </p:nvPicPr>
+        <p:blipFill>
+          <a:blip r:embed="rId8"/>
+          <a:stretch>
+            <a:fillRect/>
+          </a:stretch>
+        </p:blipFill>
+        <p:spPr>
+          <a:xfrm>
+            <a:off x="0" y="33820"/>
+            <a:ext cx="400106" cy="342948"/>
+          </a:xfrm>
+          <a:prstGeom prst="rect">
+            <a:avLst/>
+          </a:prstGeom>
+        </p:spPr>
+      </p:pic>
+      <p:pic>
+        <p:nvPicPr>
+          <p:cNvPr id="26" name="Picture 25" hidden="1">
+            <a:extLst>
+              <a:ext uri="{FF2B5EF4-FFF2-40B4-BE49-F238E27FC236}">
+                <a16:creationId xmlns:a16="http://schemas.microsoft.com/office/drawing/2014/main" id="{226049BE-560B-D731-E924-FC98887200E2}"/>
+              </a:ext>
+            </a:extLst>
+          </p:cNvPr>
+          <p:cNvPicPr>
+            <a:picLocks noChangeAspect="1"/>
+          </p:cNvPicPr>
+          <p:nvPr/>
+        </p:nvPicPr>
+        <p:blipFill>
+          <a:blip r:embed="rId9"/>
+          <a:stretch>
+            <a:fillRect/>
+          </a:stretch>
+        </p:blipFill>
+        <p:spPr>
+          <a:xfrm>
+            <a:off x="0" y="33820"/>
+            <a:ext cx="400106" cy="342948"/>
+          </a:xfrm>
+          <a:prstGeom prst="rect">
+            <a:avLst/>
+          </a:prstGeom>
+        </p:spPr>
+      </p:pic>
+      <p:pic>
+        <p:nvPicPr>
+          <p:cNvPr id="28" name="Picture 27" hidden="1">
+            <a:extLst>
+              <a:ext uri="{FF2B5EF4-FFF2-40B4-BE49-F238E27FC236}">
+                <a16:creationId xmlns:a16="http://schemas.microsoft.com/office/drawing/2014/main" id="{398B2257-6E23-7976-B28F-89630AD7D386}"/>
+              </a:ext>
+            </a:extLst>
+          </p:cNvPr>
+          <p:cNvPicPr>
+            <a:picLocks noChangeAspect="1"/>
+          </p:cNvPicPr>
+          <p:nvPr/>
+        </p:nvPicPr>
+        <p:blipFill>
+          <a:blip r:embed="rId10"/>
+          <a:stretch>
+            <a:fillRect/>
+          </a:stretch>
+        </p:blipFill>
+        <p:spPr>
+          <a:xfrm>
+            <a:off x="0" y="-5063"/>
+            <a:ext cx="400106" cy="342948"/>
+          </a:xfrm>
+          <a:prstGeom prst="rect">
+            <a:avLst/>
+          </a:prstGeom>
+        </p:spPr>
+      </p:pic>
+      <p:pic>
+        <p:nvPicPr>
+          <p:cNvPr id="30" name="Picture 29" hidden="1">
+            <a:extLst>
+              <a:ext uri="{FF2B5EF4-FFF2-40B4-BE49-F238E27FC236}">
+                <a16:creationId xmlns:a16="http://schemas.microsoft.com/office/drawing/2014/main" id="{837C339E-9E0B-6BD2-A24E-3402793C69AB}"/>
+              </a:ext>
+            </a:extLst>
+          </p:cNvPr>
+          <p:cNvPicPr>
+            <a:picLocks noChangeAspect="1"/>
+          </p:cNvPicPr>
+          <p:nvPr/>
+        </p:nvPicPr>
+        <p:blipFill>
+          <a:blip r:embed="rId11"/>
+          <a:stretch>
+            <a:fillRect/>
+          </a:stretch>
+        </p:blipFill>
+        <p:spPr>
+          <a:xfrm>
+            <a:off x="0" y="0"/>
+            <a:ext cx="400106" cy="342948"/>
+          </a:xfrm>
+          <a:prstGeom prst="rect">
+            <a:avLst/>
+          </a:prstGeom>
+        </p:spPr>
+      </p:pic>
+    </p:spTree>
+    <p:extLst>
+      <p:ext uri="{BB962C8B-B14F-4D97-AF65-F5344CB8AC3E}">
+        <p14:creationId xmlns:p14="http://schemas.microsoft.com/office/powerpoint/2010/main" val="1282657452"/>
+      </p:ext>
+    </p:extLst>
+  </p:cSld>
+  <p:clrMapOvr>
+    <a:masterClrMapping/>
+  </p:clrMapOvr>
+  <p:transition advClick="0" advTm="0"/>
+</p:sld>
+</file>
+
+<file path=ppt/slides/slide6.xml><?xml version="1.0" encoding="utf-8"?>
+<p:sld xmlns:a="http://schemas.openxmlformats.org/drawingml/2006/main" xmlns:r="http://schemas.openxmlformats.org/officeDocument/2006/relationships" xmlns:p="http://schemas.openxmlformats.org/presentationml/2006/main">
+  <p:cSld>
+    <p:spTree>
+      <p:nvGrpSpPr>
+        <p:cNvPr id="1" name="">
+          <a:extLst>
+            <a:ext uri="{FF2B5EF4-FFF2-40B4-BE49-F238E27FC236}">
+              <a16:creationId xmlns:a16="http://schemas.microsoft.com/office/drawing/2014/main" id="{85D91CB0-09B3-61E6-9277-2232319953F6}"/>
+            </a:ext>
+          </a:extLst>
+        </p:cNvPr>
+        <p:cNvGrpSpPr/>
+        <p:nvPr/>
+      </p:nvGrpSpPr>
+      <p:grpSpPr>
+        <a:xfrm>
+          <a:off x="0" y="0"/>
+          <a:ext cx="0" cy="0"/>
+          <a:chOff x="0" y="0"/>
+          <a:chExt cx="0" cy="0"/>
+        </a:xfrm>
+      </p:grpSpPr>
+      <p:pic>
+        <p:nvPicPr>
+          <p:cNvPr id="5" name="Picture 4" hidden="1">
+            <a:extLst>
+              <a:ext uri="{FF2B5EF4-FFF2-40B4-BE49-F238E27FC236}">
+                <a16:creationId xmlns:a16="http://schemas.microsoft.com/office/drawing/2014/main" id="{F4E89EEA-5659-A84D-C00C-0CE51BFC1677}"/>
+              </a:ext>
+            </a:extLst>
+          </p:cNvPr>
+          <p:cNvPicPr>
+            <a:picLocks noChangeAspect="1"/>
+          </p:cNvPicPr>
+          <p:nvPr/>
+        </p:nvPicPr>
+        <p:blipFill>
+          <a:blip r:embed="rId2">
+            <a:duotone>
+              <a:prstClr val="black"/>
+              <a:schemeClr val="tx2">
+                <a:tint val="45000"/>
+                <a:satMod val="400000"/>
+              </a:schemeClr>
+            </a:duotone>
+            <a:extLst>
+              <a:ext uri="{BEBA8EAE-BF5A-486C-A8C5-ECC9F3942E4B}">
+                <a14:imgProps xmlns:a14="http://schemas.microsoft.com/office/drawing/2010/main">
+                  <a14:imgLayer r:embed="rId3">
+                    <a14:imgEffect>
+                      <a14:artisticTexturizer/>
+                    </a14:imgEffect>
+                  </a14:imgLayer>
+                </a14:imgProps>
+              </a:ext>
+              <a:ext uri="{28A0092B-C50C-407E-A947-70E740481C1C}">
+                <a14:useLocalDpi xmlns:a14="http://schemas.microsoft.com/office/drawing/2010/main" val="0"/>
+              </a:ext>
+            </a:extLst>
+          </a:blip>
+          <a:stretch>
+            <a:fillRect/>
+          </a:stretch>
+        </p:blipFill>
+        <p:spPr>
+          <a:xfrm>
+            <a:off x="75286" y="20700"/>
+            <a:ext cx="276225" cy="257175"/>
+          </a:xfrm>
+          <a:prstGeom prst="rect">
+            <a:avLst/>
+          </a:prstGeom>
+          <a:effectLst>
+            <a:outerShdw blurRad="63500" dist="88900" dir="9480000" sx="79000" sy="79000" algn="ctr" rotWithShape="0">
+              <a:srgbClr val="000000">
+                <a:alpha val="60000"/>
+              </a:srgbClr>
+            </a:outerShdw>
+          </a:effectLst>
+        </p:spPr>
+      </p:pic>
+      <p:pic>
+        <p:nvPicPr>
+          <p:cNvPr id="10" name="Picture 9" hidden="1">
+            <a:extLst>
+              <a:ext uri="{FF2B5EF4-FFF2-40B4-BE49-F238E27FC236}">
+                <a16:creationId xmlns:a16="http://schemas.microsoft.com/office/drawing/2014/main" id="{E1315CDE-4811-FBEF-638F-BA51A1035D3E}"/>
+              </a:ext>
+            </a:extLst>
+          </p:cNvPr>
+          <p:cNvPicPr>
+            <a:picLocks noChangeAspect="1"/>
+          </p:cNvPicPr>
+          <p:nvPr/>
+        </p:nvPicPr>
+        <p:blipFill>
+          <a:blip r:embed="rId4"/>
+          <a:stretch>
+            <a:fillRect/>
+          </a:stretch>
+        </p:blipFill>
+        <p:spPr>
+          <a:xfrm>
+            <a:off x="0" y="-43945"/>
+            <a:ext cx="400106" cy="342948"/>
+          </a:xfrm>
+          <a:prstGeom prst="rect">
+            <a:avLst/>
+          </a:prstGeom>
+        </p:spPr>
+      </p:pic>
+      <p:pic>
+        <p:nvPicPr>
+          <p:cNvPr id="16" name="Picture 15" hidden="1">
+            <a:extLst>
+              <a:ext uri="{FF2B5EF4-FFF2-40B4-BE49-F238E27FC236}">
+                <a16:creationId xmlns:a16="http://schemas.microsoft.com/office/drawing/2014/main" id="{BAEC21C7-6652-8A75-470B-BB5184350CBC}"/>
+              </a:ext>
+            </a:extLst>
+          </p:cNvPr>
+          <p:cNvPicPr>
+            <a:picLocks noChangeAspect="1"/>
+          </p:cNvPicPr>
+          <p:nvPr/>
+        </p:nvPicPr>
+        <p:blipFill>
+          <a:blip r:embed="rId5"/>
+          <a:stretch>
+            <a:fillRect/>
+          </a:stretch>
+        </p:blipFill>
+        <p:spPr>
+          <a:xfrm>
+            <a:off x="0" y="-43945"/>
+            <a:ext cx="400106" cy="342948"/>
+          </a:xfrm>
+          <a:prstGeom prst="rect">
+            <a:avLst/>
+          </a:prstGeom>
+        </p:spPr>
+      </p:pic>
+      <p:pic>
+        <p:nvPicPr>
+          <p:cNvPr id="20" name="Picture 19" hidden="1">
+            <a:extLst>
+              <a:ext uri="{FF2B5EF4-FFF2-40B4-BE49-F238E27FC236}">
+                <a16:creationId xmlns:a16="http://schemas.microsoft.com/office/drawing/2014/main" id="{24497E95-6691-D9F7-2F87-F4FAA49E92A5}"/>
+              </a:ext>
+            </a:extLst>
+          </p:cNvPr>
+          <p:cNvPicPr>
+            <a:picLocks noChangeAspect="1"/>
+          </p:cNvPicPr>
+          <p:nvPr/>
+        </p:nvPicPr>
+        <p:blipFill>
+          <a:blip r:embed="rId6"/>
+          <a:stretch>
+            <a:fillRect/>
+          </a:stretch>
+        </p:blipFill>
+        <p:spPr>
+          <a:xfrm>
+            <a:off x="0" y="-43945"/>
+            <a:ext cx="400106" cy="342948"/>
+          </a:xfrm>
+          <a:prstGeom prst="rect">
+            <a:avLst/>
+          </a:prstGeom>
+        </p:spPr>
+      </p:pic>
+      <p:pic>
+        <p:nvPicPr>
+          <p:cNvPr id="22" name="Picture 21" hidden="1">
+            <a:extLst>
+              <a:ext uri="{FF2B5EF4-FFF2-40B4-BE49-F238E27FC236}">
+                <a16:creationId xmlns:a16="http://schemas.microsoft.com/office/drawing/2014/main" id="{BCF1D6E8-87D1-B370-7C18-8B668220F447}"/>
+              </a:ext>
+            </a:extLst>
+          </p:cNvPr>
+          <p:cNvPicPr>
+            <a:picLocks noChangeAspect="1"/>
+          </p:cNvPicPr>
+          <p:nvPr/>
+        </p:nvPicPr>
+        <p:blipFill>
+          <a:blip r:embed="rId7"/>
+          <a:srcRect b="13122"/>
+          <a:stretch/>
+        </p:blipFill>
+        <p:spPr>
+          <a:xfrm>
+            <a:off x="0" y="17439"/>
+            <a:ext cx="400106" cy="297945"/>
+          </a:xfrm>
+          <a:prstGeom prst="rect">
+            <a:avLst/>
+          </a:prstGeom>
+        </p:spPr>
+      </p:pic>
+      <p:pic>
+        <p:nvPicPr>
+          <p:cNvPr id="24" name="Picture 23" hidden="1">
+            <a:extLst>
+              <a:ext uri="{FF2B5EF4-FFF2-40B4-BE49-F238E27FC236}">
+                <a16:creationId xmlns:a16="http://schemas.microsoft.com/office/drawing/2014/main" id="{9B32479B-8CF9-2411-3ADE-862E67B1D4B4}"/>
+              </a:ext>
+            </a:extLst>
+          </p:cNvPr>
+          <p:cNvPicPr>
+            <a:picLocks noChangeAspect="1"/>
+          </p:cNvPicPr>
+          <p:nvPr/>
+        </p:nvPicPr>
+        <p:blipFill>
+          <a:blip r:embed="rId8"/>
+          <a:stretch>
+            <a:fillRect/>
+          </a:stretch>
+        </p:blipFill>
+        <p:spPr>
+          <a:xfrm>
+            <a:off x="0" y="33820"/>
+            <a:ext cx="400106" cy="342948"/>
+          </a:xfrm>
+          <a:prstGeom prst="rect">
+            <a:avLst/>
+          </a:prstGeom>
+        </p:spPr>
+      </p:pic>
+      <p:pic>
+        <p:nvPicPr>
+          <p:cNvPr id="26" name="Picture 25">
+            <a:extLst>
+              <a:ext uri="{FF2B5EF4-FFF2-40B4-BE49-F238E27FC236}">
+                <a16:creationId xmlns:a16="http://schemas.microsoft.com/office/drawing/2014/main" id="{A8718B58-E046-382E-0C38-78D474DC9B9C}"/>
+              </a:ext>
+            </a:extLst>
+          </p:cNvPr>
+          <p:cNvPicPr>
+            <a:picLocks noChangeAspect="1"/>
+          </p:cNvPicPr>
+          <p:nvPr/>
+        </p:nvPicPr>
+        <p:blipFill>
+          <a:blip r:embed="rId9"/>
+          <a:stretch>
+            <a:fillRect/>
+          </a:stretch>
+        </p:blipFill>
+        <p:spPr>
+          <a:xfrm>
+            <a:off x="0" y="33820"/>
+            <a:ext cx="400106" cy="342948"/>
+          </a:xfrm>
+          <a:prstGeom prst="rect">
+            <a:avLst/>
+          </a:prstGeom>
+        </p:spPr>
+      </p:pic>
+      <p:pic>
+        <p:nvPicPr>
+          <p:cNvPr id="28" name="Picture 27" hidden="1">
+            <a:extLst>
+              <a:ext uri="{FF2B5EF4-FFF2-40B4-BE49-F238E27FC236}">
+                <a16:creationId xmlns:a16="http://schemas.microsoft.com/office/drawing/2014/main" id="{DA368813-0315-F6ED-2FF1-B1087123314D}"/>
+              </a:ext>
+            </a:extLst>
+          </p:cNvPr>
+          <p:cNvPicPr>
+            <a:picLocks noChangeAspect="1"/>
+          </p:cNvPicPr>
+          <p:nvPr/>
+        </p:nvPicPr>
+        <p:blipFill>
+          <a:blip r:embed="rId10"/>
+          <a:stretch>
+            <a:fillRect/>
+          </a:stretch>
+        </p:blipFill>
+        <p:spPr>
+          <a:xfrm>
+            <a:off x="0" y="-5063"/>
+            <a:ext cx="400106" cy="342948"/>
+          </a:xfrm>
+          <a:prstGeom prst="rect">
+            <a:avLst/>
+          </a:prstGeom>
+        </p:spPr>
+      </p:pic>
+      <p:pic>
+        <p:nvPicPr>
+          <p:cNvPr id="30" name="Picture 29" hidden="1">
+            <a:extLst>
+              <a:ext uri="{FF2B5EF4-FFF2-40B4-BE49-F238E27FC236}">
+                <a16:creationId xmlns:a16="http://schemas.microsoft.com/office/drawing/2014/main" id="{4B2984CD-6438-AE3C-DCF1-5BDB792C8F6D}"/>
+              </a:ext>
+            </a:extLst>
+          </p:cNvPr>
+          <p:cNvPicPr>
+            <a:picLocks noChangeAspect="1"/>
+          </p:cNvPicPr>
+          <p:nvPr/>
+        </p:nvPicPr>
+        <p:blipFill>
+          <a:blip r:embed="rId11"/>
+          <a:stretch>
+            <a:fillRect/>
+          </a:stretch>
+        </p:blipFill>
+        <p:spPr>
+          <a:xfrm>
+            <a:off x="0" y="0"/>
+            <a:ext cx="400106" cy="342948"/>
+          </a:xfrm>
+          <a:prstGeom prst="rect">
+            <a:avLst/>
+          </a:prstGeom>
+        </p:spPr>
+      </p:pic>
+    </p:spTree>
+    <p:extLst>
+      <p:ext uri="{BB962C8B-B14F-4D97-AF65-F5344CB8AC3E}">
+        <p14:creationId xmlns:p14="http://schemas.microsoft.com/office/powerpoint/2010/main" val="2367882317"/>
+      </p:ext>
+    </p:extLst>
+  </p:cSld>
+  <p:clrMapOvr>
+    <a:masterClrMapping/>
+  </p:clrMapOvr>
+  <p:transition advClick="0" advTm="0"/>
+</p:sld>
+</file>
+
+<file path=ppt/slides/slide7.xml><?xml version="1.0" encoding="utf-8"?>
+<p:sld xmlns:a="http://schemas.openxmlformats.org/drawingml/2006/main" xmlns:r="http://schemas.openxmlformats.org/officeDocument/2006/relationships" xmlns:p="http://schemas.openxmlformats.org/presentationml/2006/main">
+  <p:cSld>
+    <p:spTree>
+      <p:nvGrpSpPr>
+        <p:cNvPr id="1" name="">
+          <a:extLst>
+            <a:ext uri="{FF2B5EF4-FFF2-40B4-BE49-F238E27FC236}">
+              <a16:creationId xmlns:a16="http://schemas.microsoft.com/office/drawing/2014/main" id="{66B2DCBE-AD30-1CA8-8C70-9372F36B077B}"/>
+            </a:ext>
+          </a:extLst>
+        </p:cNvPr>
+        <p:cNvGrpSpPr/>
+        <p:nvPr/>
+      </p:nvGrpSpPr>
+      <p:grpSpPr>
+        <a:xfrm>
+          <a:off x="0" y="0"/>
+          <a:ext cx="0" cy="0"/>
+          <a:chOff x="0" y="0"/>
+          <a:chExt cx="0" cy="0"/>
+        </a:xfrm>
+      </p:grpSpPr>
+      <p:pic>
+        <p:nvPicPr>
+          <p:cNvPr id="5" name="Picture 4" hidden="1">
+            <a:extLst>
+              <a:ext uri="{FF2B5EF4-FFF2-40B4-BE49-F238E27FC236}">
+                <a16:creationId xmlns:a16="http://schemas.microsoft.com/office/drawing/2014/main" id="{F6B5373C-1576-438B-CE87-08C55A4D6BE7}"/>
+              </a:ext>
+            </a:extLst>
+          </p:cNvPr>
+          <p:cNvPicPr>
+            <a:picLocks noChangeAspect="1"/>
+          </p:cNvPicPr>
+          <p:nvPr/>
+        </p:nvPicPr>
+        <p:blipFill>
+          <a:blip r:embed="rId2">
+            <a:duotone>
+              <a:prstClr val="black"/>
+              <a:schemeClr val="tx2">
+                <a:tint val="45000"/>
+                <a:satMod val="400000"/>
+              </a:schemeClr>
+            </a:duotone>
+            <a:extLst>
+              <a:ext uri="{BEBA8EAE-BF5A-486C-A8C5-ECC9F3942E4B}">
+                <a14:imgProps xmlns:a14="http://schemas.microsoft.com/office/drawing/2010/main">
+                  <a14:imgLayer r:embed="rId3">
+                    <a14:imgEffect>
+                      <a14:artisticTexturizer/>
+                    </a14:imgEffect>
+                  </a14:imgLayer>
+                </a14:imgProps>
+              </a:ext>
+              <a:ext uri="{28A0092B-C50C-407E-A947-70E740481C1C}">
+                <a14:useLocalDpi xmlns:a14="http://schemas.microsoft.com/office/drawing/2010/main" val="0"/>
+              </a:ext>
+            </a:extLst>
+          </a:blip>
+          <a:stretch>
+            <a:fillRect/>
+          </a:stretch>
+        </p:blipFill>
+        <p:spPr>
+          <a:xfrm>
+            <a:off x="75286" y="20700"/>
+            <a:ext cx="276225" cy="257175"/>
+          </a:xfrm>
+          <a:prstGeom prst="rect">
+            <a:avLst/>
+          </a:prstGeom>
+          <a:effectLst>
+            <a:outerShdw blurRad="63500" dist="88900" dir="9480000" sx="79000" sy="79000" algn="ctr" rotWithShape="0">
+              <a:srgbClr val="000000">
+                <a:alpha val="60000"/>
+              </a:srgbClr>
+            </a:outerShdw>
+          </a:effectLst>
+        </p:spPr>
+      </p:pic>
+      <p:pic>
+        <p:nvPicPr>
+          <p:cNvPr id="10" name="Picture 9" hidden="1">
+            <a:extLst>
+              <a:ext uri="{FF2B5EF4-FFF2-40B4-BE49-F238E27FC236}">
+                <a16:creationId xmlns:a16="http://schemas.microsoft.com/office/drawing/2014/main" id="{3082D765-64E5-F7AC-53FC-427CB6DFB0B0}"/>
+              </a:ext>
+            </a:extLst>
+          </p:cNvPr>
+          <p:cNvPicPr>
+            <a:picLocks noChangeAspect="1"/>
+          </p:cNvPicPr>
+          <p:nvPr/>
+        </p:nvPicPr>
+        <p:blipFill>
+          <a:blip r:embed="rId4"/>
+          <a:stretch>
+            <a:fillRect/>
+          </a:stretch>
+        </p:blipFill>
+        <p:spPr>
+          <a:xfrm>
+            <a:off x="0" y="-43945"/>
+            <a:ext cx="400106" cy="342948"/>
+          </a:xfrm>
+          <a:prstGeom prst="rect">
+            <a:avLst/>
+          </a:prstGeom>
+        </p:spPr>
+      </p:pic>
+      <p:pic>
+        <p:nvPicPr>
+          <p:cNvPr id="16" name="Picture 15" hidden="1">
+            <a:extLst>
+              <a:ext uri="{FF2B5EF4-FFF2-40B4-BE49-F238E27FC236}">
+                <a16:creationId xmlns:a16="http://schemas.microsoft.com/office/drawing/2014/main" id="{A29B5988-8B7E-EE54-21CC-8A246F716D02}"/>
+              </a:ext>
+            </a:extLst>
+          </p:cNvPr>
+          <p:cNvPicPr>
+            <a:picLocks noChangeAspect="1"/>
+          </p:cNvPicPr>
+          <p:nvPr/>
+        </p:nvPicPr>
+        <p:blipFill>
+          <a:blip r:embed="rId5"/>
+          <a:stretch>
+            <a:fillRect/>
+          </a:stretch>
+        </p:blipFill>
+        <p:spPr>
+          <a:xfrm>
+            <a:off x="0" y="-43945"/>
+            <a:ext cx="400106" cy="342948"/>
+          </a:xfrm>
+          <a:prstGeom prst="rect">
+            <a:avLst/>
+          </a:prstGeom>
+        </p:spPr>
+      </p:pic>
+      <p:pic>
+        <p:nvPicPr>
+          <p:cNvPr id="20" name="Picture 19" hidden="1">
+            <a:extLst>
+              <a:ext uri="{FF2B5EF4-FFF2-40B4-BE49-F238E27FC236}">
+                <a16:creationId xmlns:a16="http://schemas.microsoft.com/office/drawing/2014/main" id="{9F0C5897-A54B-0D79-3655-A3DFCBDB752E}"/>
+              </a:ext>
+            </a:extLst>
+          </p:cNvPr>
+          <p:cNvPicPr>
+            <a:picLocks noChangeAspect="1"/>
+          </p:cNvPicPr>
+          <p:nvPr/>
+        </p:nvPicPr>
+        <p:blipFill>
+          <a:blip r:embed="rId6"/>
+          <a:stretch>
+            <a:fillRect/>
+          </a:stretch>
+        </p:blipFill>
+        <p:spPr>
+          <a:xfrm>
+            <a:off x="0" y="-43945"/>
+            <a:ext cx="400106" cy="342948"/>
+          </a:xfrm>
+          <a:prstGeom prst="rect">
+            <a:avLst/>
+          </a:prstGeom>
+        </p:spPr>
+      </p:pic>
+      <p:pic>
+        <p:nvPicPr>
+          <p:cNvPr id="22" name="Picture 21" hidden="1">
+            <a:extLst>
+              <a:ext uri="{FF2B5EF4-FFF2-40B4-BE49-F238E27FC236}">
+                <a16:creationId xmlns:a16="http://schemas.microsoft.com/office/drawing/2014/main" id="{CF593B0E-C526-1695-57AD-22118B61C246}"/>
+              </a:ext>
+            </a:extLst>
+          </p:cNvPr>
+          <p:cNvPicPr>
+            <a:picLocks noChangeAspect="1"/>
+          </p:cNvPicPr>
+          <p:nvPr/>
+        </p:nvPicPr>
+        <p:blipFill>
+          <a:blip r:embed="rId7"/>
+          <a:srcRect b="13122"/>
+          <a:stretch/>
+        </p:blipFill>
+        <p:spPr>
+          <a:xfrm>
+            <a:off x="0" y="17439"/>
+            <a:ext cx="400106" cy="297945"/>
+          </a:xfrm>
+          <a:prstGeom prst="rect">
+            <a:avLst/>
+          </a:prstGeom>
+        </p:spPr>
+      </p:pic>
+      <p:pic>
+        <p:nvPicPr>
+          <p:cNvPr id="24" name="Picture 23" hidden="1">
+            <a:extLst>
+              <a:ext uri="{FF2B5EF4-FFF2-40B4-BE49-F238E27FC236}">
+                <a16:creationId xmlns:a16="http://schemas.microsoft.com/office/drawing/2014/main" id="{F1180812-7731-7214-3845-1187096ECC48}"/>
+              </a:ext>
+            </a:extLst>
+          </p:cNvPr>
+          <p:cNvPicPr>
+            <a:picLocks noChangeAspect="1"/>
+          </p:cNvPicPr>
+          <p:nvPr/>
+        </p:nvPicPr>
+        <p:blipFill>
+          <a:blip r:embed="rId8"/>
+          <a:stretch>
+            <a:fillRect/>
+          </a:stretch>
+        </p:blipFill>
+        <p:spPr>
+          <a:xfrm>
+            <a:off x="0" y="33820"/>
+            <a:ext cx="400106" cy="342948"/>
+          </a:xfrm>
+          <a:prstGeom prst="rect">
+            <a:avLst/>
+          </a:prstGeom>
+        </p:spPr>
+      </p:pic>
+      <p:pic>
+        <p:nvPicPr>
+          <p:cNvPr id="26" name="Picture 25" hidden="1">
+            <a:extLst>
+              <a:ext uri="{FF2B5EF4-FFF2-40B4-BE49-F238E27FC236}">
+                <a16:creationId xmlns:a16="http://schemas.microsoft.com/office/drawing/2014/main" id="{508E8BDD-67C5-38C1-7CDA-7EE9D1A7A57E}"/>
+              </a:ext>
+            </a:extLst>
+          </p:cNvPr>
+          <p:cNvPicPr>
+            <a:picLocks noChangeAspect="1"/>
+          </p:cNvPicPr>
+          <p:nvPr/>
+        </p:nvPicPr>
+        <p:blipFill>
+          <a:blip r:embed="rId9"/>
+          <a:stretch>
+            <a:fillRect/>
+          </a:stretch>
+        </p:blipFill>
+        <p:spPr>
+          <a:xfrm>
+            <a:off x="0" y="33820"/>
+            <a:ext cx="400106" cy="342948"/>
+          </a:xfrm>
+          <a:prstGeom prst="rect">
+            <a:avLst/>
+          </a:prstGeom>
+        </p:spPr>
+      </p:pic>
+      <p:pic>
+        <p:nvPicPr>
+          <p:cNvPr id="28" name="Picture 27">
+            <a:extLst>
+              <a:ext uri="{FF2B5EF4-FFF2-40B4-BE49-F238E27FC236}">
+                <a16:creationId xmlns:a16="http://schemas.microsoft.com/office/drawing/2014/main" id="{45C46394-2A03-41A9-EDB4-1AA0DEF3F2FD}"/>
+              </a:ext>
+            </a:extLst>
+          </p:cNvPr>
+          <p:cNvPicPr>
+            <a:picLocks noChangeAspect="1"/>
+          </p:cNvPicPr>
+          <p:nvPr/>
+        </p:nvPicPr>
+        <p:blipFill>
+          <a:blip r:embed="rId10"/>
+          <a:stretch>
+            <a:fillRect/>
+          </a:stretch>
+        </p:blipFill>
+        <p:spPr>
+          <a:xfrm>
+            <a:off x="0" y="-5063"/>
+            <a:ext cx="400106" cy="342948"/>
+          </a:xfrm>
+          <a:prstGeom prst="rect">
+            <a:avLst/>
+          </a:prstGeom>
+        </p:spPr>
+      </p:pic>
+      <p:pic>
+        <p:nvPicPr>
+          <p:cNvPr id="30" name="Picture 29" hidden="1">
+            <a:extLst>
+              <a:ext uri="{FF2B5EF4-FFF2-40B4-BE49-F238E27FC236}">
+                <a16:creationId xmlns:a16="http://schemas.microsoft.com/office/drawing/2014/main" id="{59D3A377-7049-C205-8CB0-91BC1E845288}"/>
+              </a:ext>
+            </a:extLst>
+          </p:cNvPr>
+          <p:cNvPicPr>
+            <a:picLocks noChangeAspect="1"/>
+          </p:cNvPicPr>
+          <p:nvPr/>
+        </p:nvPicPr>
+        <p:blipFill>
+          <a:blip r:embed="rId11"/>
+          <a:stretch>
+            <a:fillRect/>
+          </a:stretch>
+        </p:blipFill>
+        <p:spPr>
+          <a:xfrm>
+            <a:off x="0" y="0"/>
+            <a:ext cx="400106" cy="342948"/>
+          </a:xfrm>
+          <a:prstGeom prst="rect">
+            <a:avLst/>
+          </a:prstGeom>
+        </p:spPr>
+      </p:pic>
+    </p:spTree>
+    <p:extLst>
+      <p:ext uri="{BB962C8B-B14F-4D97-AF65-F5344CB8AC3E}">
+        <p14:creationId xmlns:p14="http://schemas.microsoft.com/office/powerpoint/2010/main" val="3212257489"/>
+      </p:ext>
+    </p:extLst>
+  </p:cSld>
+  <p:clrMapOvr>
+    <a:masterClrMapping/>
+  </p:clrMapOvr>
+  <p:transition advClick="0" advTm="0"/>
+</p:sld>
+</file>
+
+<file path=ppt/slides/slide8.xml><?xml version="1.0" encoding="utf-8"?>
+<p:sld xmlns:a="http://schemas.openxmlformats.org/drawingml/2006/main" xmlns:r="http://schemas.openxmlformats.org/officeDocument/2006/relationships" xmlns:p="http://schemas.openxmlformats.org/presentationml/2006/main">
+  <p:cSld>
+    <p:spTree>
+      <p:nvGrpSpPr>
+        <p:cNvPr id="1" name="">
+          <a:extLst>
+            <a:ext uri="{FF2B5EF4-FFF2-40B4-BE49-F238E27FC236}">
+              <a16:creationId xmlns:a16="http://schemas.microsoft.com/office/drawing/2014/main" id="{F5F528C4-5476-F121-2212-0B87D408F64A}"/>
+            </a:ext>
+          </a:extLst>
+        </p:cNvPr>
+        <p:cNvGrpSpPr/>
+        <p:nvPr/>
+      </p:nvGrpSpPr>
+      <p:grpSpPr>
+        <a:xfrm>
+          <a:off x="0" y="0"/>
+          <a:ext cx="0" cy="0"/>
+          <a:chOff x="0" y="0"/>
+          <a:chExt cx="0" cy="0"/>
+        </a:xfrm>
+      </p:grpSpPr>
+      <p:pic>
+        <p:nvPicPr>
+          <p:cNvPr id="5" name="Picture 4" hidden="1">
+            <a:extLst>
+              <a:ext uri="{FF2B5EF4-FFF2-40B4-BE49-F238E27FC236}">
+                <a16:creationId xmlns:a16="http://schemas.microsoft.com/office/drawing/2014/main" id="{2B1070B6-5671-8274-B555-3A2CD50123E7}"/>
+              </a:ext>
+            </a:extLst>
+          </p:cNvPr>
+          <p:cNvPicPr>
+            <a:picLocks noChangeAspect="1"/>
+          </p:cNvPicPr>
+          <p:nvPr/>
+        </p:nvPicPr>
+        <p:blipFill>
+          <a:blip r:embed="rId2">
+            <a:duotone>
+              <a:prstClr val="black"/>
+              <a:schemeClr val="tx2">
+                <a:tint val="45000"/>
+                <a:satMod val="400000"/>
+              </a:schemeClr>
+            </a:duotone>
+            <a:extLst>
+              <a:ext uri="{BEBA8EAE-BF5A-486C-A8C5-ECC9F3942E4B}">
+                <a14:imgProps xmlns:a14="http://schemas.microsoft.com/office/drawing/2010/main">
+                  <a14:imgLayer r:embed="rId3">
+                    <a14:imgEffect>
+                      <a14:artisticTexturizer/>
+                    </a14:imgEffect>
+                  </a14:imgLayer>
+                </a14:imgProps>
+              </a:ext>
+              <a:ext uri="{28A0092B-C50C-407E-A947-70E740481C1C}">
+                <a14:useLocalDpi xmlns:a14="http://schemas.microsoft.com/office/drawing/2010/main" val="0"/>
+              </a:ext>
+            </a:extLst>
+          </a:blip>
+          <a:stretch>
+            <a:fillRect/>
+          </a:stretch>
+        </p:blipFill>
+        <p:spPr>
+          <a:xfrm>
+            <a:off x="75286" y="20700"/>
+            <a:ext cx="276225" cy="257175"/>
+          </a:xfrm>
+          <a:prstGeom prst="rect">
+            <a:avLst/>
+          </a:prstGeom>
+          <a:effectLst>
+            <a:outerShdw blurRad="63500" dist="88900" dir="9480000" sx="79000" sy="79000" algn="ctr" rotWithShape="0">
+              <a:srgbClr val="000000">
+                <a:alpha val="60000"/>
+              </a:srgbClr>
+            </a:outerShdw>
+          </a:effectLst>
+        </p:spPr>
+      </p:pic>
+      <p:pic>
+        <p:nvPicPr>
+          <p:cNvPr id="10" name="Picture 9" hidden="1">
+            <a:extLst>
+              <a:ext uri="{FF2B5EF4-FFF2-40B4-BE49-F238E27FC236}">
+                <a16:creationId xmlns:a16="http://schemas.microsoft.com/office/drawing/2014/main" id="{5DF2EB74-44B6-7D9E-576E-6B55D2E2C626}"/>
+              </a:ext>
+            </a:extLst>
+          </p:cNvPr>
+          <p:cNvPicPr>
+            <a:picLocks noChangeAspect="1"/>
+          </p:cNvPicPr>
+          <p:nvPr/>
+        </p:nvPicPr>
+        <p:blipFill>
+          <a:blip r:embed="rId4"/>
+          <a:stretch>
+            <a:fillRect/>
+          </a:stretch>
+        </p:blipFill>
+        <p:spPr>
+          <a:xfrm>
+            <a:off x="0" y="-43945"/>
+            <a:ext cx="400106" cy="342948"/>
+          </a:xfrm>
+          <a:prstGeom prst="rect">
+            <a:avLst/>
+          </a:prstGeom>
+        </p:spPr>
+      </p:pic>
+      <p:pic>
+        <p:nvPicPr>
+          <p:cNvPr id="16" name="Picture 15" hidden="1">
+            <a:extLst>
+              <a:ext uri="{FF2B5EF4-FFF2-40B4-BE49-F238E27FC236}">
+                <a16:creationId xmlns:a16="http://schemas.microsoft.com/office/drawing/2014/main" id="{06088D2C-4F9C-5518-574F-13F167139939}"/>
+              </a:ext>
+            </a:extLst>
+          </p:cNvPr>
+          <p:cNvPicPr>
+            <a:picLocks noChangeAspect="1"/>
+          </p:cNvPicPr>
+          <p:nvPr/>
+        </p:nvPicPr>
+        <p:blipFill>
+          <a:blip r:embed="rId5"/>
+          <a:stretch>
+            <a:fillRect/>
+          </a:stretch>
+        </p:blipFill>
+        <p:spPr>
+          <a:xfrm>
+            <a:off x="0" y="-43945"/>
+            <a:ext cx="400106" cy="342948"/>
+          </a:xfrm>
+          <a:prstGeom prst="rect">
+            <a:avLst/>
+          </a:prstGeom>
+        </p:spPr>
+      </p:pic>
+      <p:pic>
+        <p:nvPicPr>
+          <p:cNvPr id="20" name="Picture 19" hidden="1">
+            <a:extLst>
+              <a:ext uri="{FF2B5EF4-FFF2-40B4-BE49-F238E27FC236}">
+                <a16:creationId xmlns:a16="http://schemas.microsoft.com/office/drawing/2014/main" id="{CB42A1A6-FC1B-FE69-13FF-5DB849A525B5}"/>
+              </a:ext>
+            </a:extLst>
+          </p:cNvPr>
+          <p:cNvPicPr>
+            <a:picLocks noChangeAspect="1"/>
+          </p:cNvPicPr>
+          <p:nvPr/>
+        </p:nvPicPr>
+        <p:blipFill>
+          <a:blip r:embed="rId6"/>
+          <a:stretch>
+            <a:fillRect/>
+          </a:stretch>
+        </p:blipFill>
+        <p:spPr>
+          <a:xfrm>
+            <a:off x="0" y="-43945"/>
+            <a:ext cx="400106" cy="342948"/>
+          </a:xfrm>
+          <a:prstGeom prst="rect">
+            <a:avLst/>
+          </a:prstGeom>
+        </p:spPr>
+      </p:pic>
+      <p:pic>
+        <p:nvPicPr>
+          <p:cNvPr id="22" name="Picture 21" hidden="1">
+            <a:extLst>
+              <a:ext uri="{FF2B5EF4-FFF2-40B4-BE49-F238E27FC236}">
+                <a16:creationId xmlns:a16="http://schemas.microsoft.com/office/drawing/2014/main" id="{75681B0A-F4A4-ED72-9DD2-9C8B25091C62}"/>
+              </a:ext>
+            </a:extLst>
+          </p:cNvPr>
+          <p:cNvPicPr>
+            <a:picLocks noChangeAspect="1"/>
+          </p:cNvPicPr>
+          <p:nvPr/>
+        </p:nvPicPr>
+        <p:blipFill>
+          <a:blip r:embed="rId7"/>
+          <a:srcRect b="13122"/>
+          <a:stretch/>
+        </p:blipFill>
+        <p:spPr>
+          <a:xfrm>
+            <a:off x="0" y="17439"/>
+            <a:ext cx="400106" cy="297945"/>
+          </a:xfrm>
+          <a:prstGeom prst="rect">
+            <a:avLst/>
+          </a:prstGeom>
+        </p:spPr>
+      </p:pic>
+      <p:pic>
+        <p:nvPicPr>
+          <p:cNvPr id="24" name="Picture 23" hidden="1">
+            <a:extLst>
+              <a:ext uri="{FF2B5EF4-FFF2-40B4-BE49-F238E27FC236}">
+                <a16:creationId xmlns:a16="http://schemas.microsoft.com/office/drawing/2014/main" id="{5311B0AC-7047-C317-3518-6E15A293EAC7}"/>
+              </a:ext>
+            </a:extLst>
+          </p:cNvPr>
+          <p:cNvPicPr>
+            <a:picLocks noChangeAspect="1"/>
+          </p:cNvPicPr>
+          <p:nvPr/>
+        </p:nvPicPr>
+        <p:blipFill>
+          <a:blip r:embed="rId8"/>
+          <a:stretch>
+            <a:fillRect/>
+          </a:stretch>
+        </p:blipFill>
+        <p:spPr>
+          <a:xfrm>
+            <a:off x="0" y="33820"/>
+            <a:ext cx="400106" cy="342948"/>
+          </a:xfrm>
+          <a:prstGeom prst="rect">
+            <a:avLst/>
+          </a:prstGeom>
+        </p:spPr>
+      </p:pic>
+      <p:pic>
+        <p:nvPicPr>
+          <p:cNvPr id="26" name="Picture 25" hidden="1">
+            <a:extLst>
+              <a:ext uri="{FF2B5EF4-FFF2-40B4-BE49-F238E27FC236}">
+                <a16:creationId xmlns:a16="http://schemas.microsoft.com/office/drawing/2014/main" id="{0E02A53A-B2CD-6522-FA20-C3B7E437545B}"/>
+              </a:ext>
+            </a:extLst>
+          </p:cNvPr>
+          <p:cNvPicPr>
+            <a:picLocks noChangeAspect="1"/>
+          </p:cNvPicPr>
+          <p:nvPr/>
+        </p:nvPicPr>
+        <p:blipFill>
+          <a:blip r:embed="rId9"/>
+          <a:stretch>
+            <a:fillRect/>
+          </a:stretch>
+        </p:blipFill>
+        <p:spPr>
+          <a:xfrm>
+            <a:off x="0" y="33820"/>
+            <a:ext cx="400106" cy="342948"/>
+          </a:xfrm>
+          <a:prstGeom prst="rect">
+            <a:avLst/>
+          </a:prstGeom>
+        </p:spPr>
+      </p:pic>
+      <p:pic>
+        <p:nvPicPr>
+          <p:cNvPr id="28" name="Picture 27" hidden="1">
+            <a:extLst>
+              <a:ext uri="{FF2B5EF4-FFF2-40B4-BE49-F238E27FC236}">
+                <a16:creationId xmlns:a16="http://schemas.microsoft.com/office/drawing/2014/main" id="{A771F1CB-955B-624E-7687-016E6E7EF8F0}"/>
+              </a:ext>
+            </a:extLst>
+          </p:cNvPr>
+          <p:cNvPicPr>
+            <a:picLocks noChangeAspect="1"/>
+          </p:cNvPicPr>
+          <p:nvPr/>
+        </p:nvPicPr>
+        <p:blipFill>
+          <a:blip r:embed="rId10"/>
+          <a:stretch>
+            <a:fillRect/>
+          </a:stretch>
+        </p:blipFill>
+        <p:spPr>
+          <a:xfrm>
+            <a:off x="0" y="-5063"/>
+            <a:ext cx="400106" cy="342948"/>
+          </a:xfrm>
+          <a:prstGeom prst="rect">
+            <a:avLst/>
+          </a:prstGeom>
+        </p:spPr>
+      </p:pic>
+      <p:pic>
+        <p:nvPicPr>
+          <p:cNvPr id="30" name="Picture 29">
+            <a:extLst>
+              <a:ext uri="{FF2B5EF4-FFF2-40B4-BE49-F238E27FC236}">
+                <a16:creationId xmlns:a16="http://schemas.microsoft.com/office/drawing/2014/main" id="{0D163D14-71E3-CE97-34BB-7CFBA6A3024B}"/>
+              </a:ext>
+            </a:extLst>
+          </p:cNvPr>
+          <p:cNvPicPr>
+            <a:picLocks noChangeAspect="1"/>
+          </p:cNvPicPr>
+          <p:nvPr/>
+        </p:nvPicPr>
+        <p:blipFill>
+          <a:blip r:embed="rId11"/>
+          <a:stretch>
+            <a:fillRect/>
+          </a:stretch>
+        </p:blipFill>
+        <p:spPr>
+          <a:xfrm>
+            <a:off x="0" y="0"/>
+            <a:ext cx="400106" cy="342948"/>
+          </a:xfrm>
+          <a:prstGeom prst="rect">
+            <a:avLst/>
+          </a:prstGeom>
+        </p:spPr>
+      </p:pic>
+    </p:spTree>
+    <p:extLst>
+      <p:ext uri="{BB962C8B-B14F-4D97-AF65-F5344CB8AC3E}">
+        <p14:creationId xmlns:p14="http://schemas.microsoft.com/office/powerpoint/2010/main" val="2815381727"/>
       </p:ext>
     </p:extLst>
   </p:cSld>
